--- a/Software Experiment 3.pptx
+++ b/Software Experiment 3.pptx
@@ -10,9 +10,9 @@
     <p:sldId id="260" r:id="rId4"/>
     <p:sldId id="261" r:id="rId5"/>
     <p:sldId id="258" r:id="rId6"/>
-    <p:sldId id="262" r:id="rId7"/>
-    <p:sldId id="263" r:id="rId8"/>
-    <p:sldId id="264" r:id="rId9"/>
+    <p:sldId id="263" r:id="rId7"/>
+    <p:sldId id="264" r:id="rId8"/>
+    <p:sldId id="262" r:id="rId9"/>
   </p:sldIdLst>
   <p:sldSz cx="9144000" cy="6858000" type="screen4x3"/>
   <p:notesSz cx="6858000" cy="9144000"/>
@@ -295,7 +295,7 @@
           <a:p>
             <a:fld id="{F2B0D509-A0CC-42F9-8FEE-E4C7F4AE51F9}" type="datetimeFigureOut">
               <a:rPr lang="ko-KR" altLang="en-US" smtClean="0"/>
-              <a:t>2016-05-24</a:t>
+              <a:t>2016-05-27</a:t>
             </a:fld>
             <a:endParaRPr lang="ko-KR" altLang="en-US"/>
           </a:p>
@@ -465,7 +465,7 @@
           <a:p>
             <a:fld id="{F2B0D509-A0CC-42F9-8FEE-E4C7F4AE51F9}" type="datetimeFigureOut">
               <a:rPr lang="ko-KR" altLang="en-US" smtClean="0"/>
-              <a:t>2016-05-24</a:t>
+              <a:t>2016-05-27</a:t>
             </a:fld>
             <a:endParaRPr lang="ko-KR" altLang="en-US"/>
           </a:p>
@@ -645,7 +645,7 @@
           <a:p>
             <a:fld id="{F2B0D509-A0CC-42F9-8FEE-E4C7F4AE51F9}" type="datetimeFigureOut">
               <a:rPr lang="ko-KR" altLang="en-US" smtClean="0"/>
-              <a:t>2016-05-24</a:t>
+              <a:t>2016-05-27</a:t>
             </a:fld>
             <a:endParaRPr lang="ko-KR" altLang="en-US"/>
           </a:p>
@@ -815,7 +815,7 @@
           <a:p>
             <a:fld id="{F2B0D509-A0CC-42F9-8FEE-E4C7F4AE51F9}" type="datetimeFigureOut">
               <a:rPr lang="ko-KR" altLang="en-US" smtClean="0"/>
-              <a:t>2016-05-24</a:t>
+              <a:t>2016-05-27</a:t>
             </a:fld>
             <a:endParaRPr lang="ko-KR" altLang="en-US"/>
           </a:p>
@@ -1061,7 +1061,7 @@
           <a:p>
             <a:fld id="{F2B0D509-A0CC-42F9-8FEE-E4C7F4AE51F9}" type="datetimeFigureOut">
               <a:rPr lang="ko-KR" altLang="en-US" smtClean="0"/>
-              <a:t>2016-05-24</a:t>
+              <a:t>2016-05-27</a:t>
             </a:fld>
             <a:endParaRPr lang="ko-KR" altLang="en-US"/>
           </a:p>
@@ -1349,7 +1349,7 @@
           <a:p>
             <a:fld id="{F2B0D509-A0CC-42F9-8FEE-E4C7F4AE51F9}" type="datetimeFigureOut">
               <a:rPr lang="ko-KR" altLang="en-US" smtClean="0"/>
-              <a:t>2016-05-24</a:t>
+              <a:t>2016-05-27</a:t>
             </a:fld>
             <a:endParaRPr lang="ko-KR" altLang="en-US"/>
           </a:p>
@@ -1771,7 +1771,7 @@
           <a:p>
             <a:fld id="{F2B0D509-A0CC-42F9-8FEE-E4C7F4AE51F9}" type="datetimeFigureOut">
               <a:rPr lang="ko-KR" altLang="en-US" smtClean="0"/>
-              <a:t>2016-05-24</a:t>
+              <a:t>2016-05-27</a:t>
             </a:fld>
             <a:endParaRPr lang="ko-KR" altLang="en-US"/>
           </a:p>
@@ -1889,7 +1889,7 @@
           <a:p>
             <a:fld id="{F2B0D509-A0CC-42F9-8FEE-E4C7F4AE51F9}" type="datetimeFigureOut">
               <a:rPr lang="ko-KR" altLang="en-US" smtClean="0"/>
-              <a:t>2016-05-24</a:t>
+              <a:t>2016-05-27</a:t>
             </a:fld>
             <a:endParaRPr lang="ko-KR" altLang="en-US"/>
           </a:p>
@@ -1984,7 +1984,7 @@
           <a:p>
             <a:fld id="{F2B0D509-A0CC-42F9-8FEE-E4C7F4AE51F9}" type="datetimeFigureOut">
               <a:rPr lang="ko-KR" altLang="en-US" smtClean="0"/>
-              <a:t>2016-05-24</a:t>
+              <a:t>2016-05-27</a:t>
             </a:fld>
             <a:endParaRPr lang="ko-KR" altLang="en-US"/>
           </a:p>
@@ -2261,7 +2261,7 @@
           <a:p>
             <a:fld id="{F2B0D509-A0CC-42F9-8FEE-E4C7F4AE51F9}" type="datetimeFigureOut">
               <a:rPr lang="ko-KR" altLang="en-US" smtClean="0"/>
-              <a:t>2016-05-24</a:t>
+              <a:t>2016-05-27</a:t>
             </a:fld>
             <a:endParaRPr lang="ko-KR" altLang="en-US"/>
           </a:p>
@@ -2514,7 +2514,7 @@
           <a:p>
             <a:fld id="{F2B0D509-A0CC-42F9-8FEE-E4C7F4AE51F9}" type="datetimeFigureOut">
               <a:rPr lang="ko-KR" altLang="en-US" smtClean="0"/>
-              <a:t>2016-05-24</a:t>
+              <a:t>2016-05-27</a:t>
             </a:fld>
             <a:endParaRPr lang="ko-KR" altLang="en-US"/>
           </a:p>
@@ -2727,7 +2727,7 @@
           <a:p>
             <a:fld id="{F2B0D509-A0CC-42F9-8FEE-E4C7F4AE51F9}" type="datetimeFigureOut">
               <a:rPr lang="ko-KR" altLang="en-US" smtClean="0"/>
-              <a:t>2016-05-24</a:t>
+              <a:t>2016-05-27</a:t>
             </a:fld>
             <a:endParaRPr lang="ko-KR" altLang="en-US"/>
           </a:p>
@@ -6272,323 +6272,495 @@
             <a:pPr algn="l"/>
             <a:r>
               <a:rPr lang="en-US" altLang="ko-KR" b="1" dirty="0" smtClean="0"/>
-              <a:t>Server</a:t>
+              <a:t>Client(Customer)</a:t>
             </a:r>
             <a:endParaRPr lang="ko-KR" altLang="en-US" b="1" dirty="0"/>
           </a:p>
         </p:txBody>
       </p:sp>
-      <p:sp>
-        <p:nvSpPr>
-          <p:cNvPr id="3" name="TextBox 2"/>
-          <p:cNvSpPr txBox="1"/>
+      <p:grpSp>
+        <p:nvGrpSpPr>
+          <p:cNvPr id="16" name="그룹 15"/>
+          <p:cNvGrpSpPr/>
           <p:nvPr/>
-        </p:nvSpPr>
+        </p:nvGrpSpPr>
+        <p:grpSpPr>
+          <a:xfrm>
+            <a:off x="755576" y="3068960"/>
+            <a:ext cx="2880320" cy="1512168"/>
+            <a:chOff x="395536" y="2996952"/>
+            <a:chExt cx="2880320" cy="1512168"/>
+          </a:xfrm>
+        </p:grpSpPr>
+        <p:sp>
+          <p:nvSpPr>
+            <p:cNvPr id="13" name="모서리가 둥근 직사각형 12"/>
+            <p:cNvSpPr/>
+            <p:nvPr/>
+          </p:nvSpPr>
+          <p:spPr>
+            <a:xfrm>
+              <a:off x="395536" y="2996952"/>
+              <a:ext cx="2880320" cy="1512168"/>
+            </a:xfrm>
+            <a:prstGeom prst="roundRect">
+              <a:avLst/>
+            </a:prstGeom>
+            <a:solidFill>
+              <a:schemeClr val="bg1"/>
+            </a:solidFill>
+          </p:spPr>
+          <p:style>
+            <a:lnRef idx="2">
+              <a:schemeClr val="accent1">
+                <a:shade val="50000"/>
+              </a:schemeClr>
+            </a:lnRef>
+            <a:fillRef idx="1">
+              <a:schemeClr val="accent1"/>
+            </a:fillRef>
+            <a:effectRef idx="0">
+              <a:schemeClr val="accent1"/>
+            </a:effectRef>
+            <a:fontRef idx="minor">
+              <a:schemeClr val="lt1"/>
+            </a:fontRef>
+          </p:style>
+          <p:txBody>
+            <a:bodyPr rtlCol="0" anchor="ctr"/>
+            <a:lstStyle/>
+            <a:p>
+              <a:pPr algn="ctr"/>
+              <a:endParaRPr lang="ko-KR" altLang="en-US"/>
+            </a:p>
+          </p:txBody>
+        </p:sp>
+        <p:sp>
+          <p:nvSpPr>
+            <p:cNvPr id="5" name="TextBox 4"/>
+            <p:cNvSpPr txBox="1"/>
+            <p:nvPr/>
+          </p:nvSpPr>
+          <p:spPr>
+            <a:xfrm>
+              <a:off x="600504" y="3140968"/>
+              <a:ext cx="2459328" cy="1200329"/>
+            </a:xfrm>
+            <a:prstGeom prst="rect">
+              <a:avLst/>
+            </a:prstGeom>
+            <a:noFill/>
+          </p:spPr>
+          <p:txBody>
+            <a:bodyPr wrap="none" rtlCol="0">
+              <a:spAutoFit/>
+            </a:bodyPr>
+            <a:lstStyle/>
+            <a:p>
+              <a:pPr marL="342900" indent="-342900">
+                <a:buAutoNum type="arabicPeriod"/>
+              </a:pPr>
+              <a:r>
+                <a:rPr lang="ko-KR" altLang="en-US" dirty="0" smtClean="0"/>
+                <a:t>회원으로 로그인</a:t>
+              </a:r>
+              <a:endParaRPr lang="en-US" altLang="ko-KR" dirty="0" smtClean="0"/>
+            </a:p>
+            <a:p>
+              <a:pPr marL="342900" indent="-342900">
+                <a:buAutoNum type="arabicPeriod"/>
+              </a:pPr>
+              <a:r>
+                <a:rPr lang="ko-KR" altLang="en-US" dirty="0" smtClean="0"/>
+                <a:t>비회원으로 로그인</a:t>
+              </a:r>
+              <a:endParaRPr lang="en-US" altLang="ko-KR" dirty="0" smtClean="0"/>
+            </a:p>
+            <a:p>
+              <a:pPr marL="342900" indent="-342900">
+                <a:buAutoNum type="arabicPeriod"/>
+              </a:pPr>
+              <a:r>
+                <a:rPr lang="ko-KR" altLang="en-US" dirty="0" smtClean="0"/>
+                <a:t>회원가입</a:t>
+              </a:r>
+              <a:endParaRPr lang="en-US" altLang="ko-KR" dirty="0" smtClean="0"/>
+            </a:p>
+            <a:p>
+              <a:pPr marL="342900" indent="-342900">
+                <a:buAutoNum type="arabicPeriod"/>
+              </a:pPr>
+              <a:r>
+                <a:rPr lang="ko-KR" altLang="en-US" dirty="0" smtClean="0"/>
+                <a:t>종</a:t>
+              </a:r>
+              <a:r>
+                <a:rPr lang="ko-KR" altLang="en-US" dirty="0"/>
+                <a:t>료</a:t>
+              </a:r>
+            </a:p>
+          </p:txBody>
+        </p:sp>
+      </p:grpSp>
+      <p:grpSp>
+        <p:nvGrpSpPr>
+          <p:cNvPr id="9" name="그룹 8"/>
+          <p:cNvGrpSpPr/>
+          <p:nvPr/>
+        </p:nvGrpSpPr>
+        <p:grpSpPr>
+          <a:xfrm>
+            <a:off x="4860032" y="1412776"/>
+            <a:ext cx="3384376" cy="2664296"/>
+            <a:chOff x="4860032" y="1268760"/>
+            <a:chExt cx="3384376" cy="2664296"/>
+          </a:xfrm>
+        </p:grpSpPr>
+        <p:sp>
+          <p:nvSpPr>
+            <p:cNvPr id="8" name="모서리가 둥근 직사각형 7"/>
+            <p:cNvSpPr/>
+            <p:nvPr/>
+          </p:nvSpPr>
+          <p:spPr>
+            <a:xfrm>
+              <a:off x="4860032" y="1268760"/>
+              <a:ext cx="3384376" cy="2664296"/>
+            </a:xfrm>
+            <a:prstGeom prst="roundRect">
+              <a:avLst/>
+            </a:prstGeom>
+            <a:solidFill>
+              <a:schemeClr val="bg1"/>
+            </a:solidFill>
+          </p:spPr>
+          <p:style>
+            <a:lnRef idx="2">
+              <a:schemeClr val="accent1">
+                <a:shade val="50000"/>
+              </a:schemeClr>
+            </a:lnRef>
+            <a:fillRef idx="1">
+              <a:schemeClr val="accent1"/>
+            </a:fillRef>
+            <a:effectRef idx="0">
+              <a:schemeClr val="accent1"/>
+            </a:effectRef>
+            <a:fontRef idx="minor">
+              <a:schemeClr val="lt1"/>
+            </a:fontRef>
+          </p:style>
+          <p:txBody>
+            <a:bodyPr rtlCol="0" anchor="ctr"/>
+            <a:lstStyle/>
+            <a:p>
+              <a:pPr algn="ctr"/>
+              <a:endParaRPr lang="ko-KR" altLang="en-US"/>
+            </a:p>
+          </p:txBody>
+        </p:sp>
+        <p:sp>
+          <p:nvSpPr>
+            <p:cNvPr id="6" name="TextBox 5"/>
+            <p:cNvSpPr txBox="1"/>
+            <p:nvPr/>
+          </p:nvSpPr>
+          <p:spPr>
+            <a:xfrm>
+              <a:off x="4993294" y="1432808"/>
+              <a:ext cx="3084499" cy="2308324"/>
+            </a:xfrm>
+            <a:prstGeom prst="rect">
+              <a:avLst/>
+            </a:prstGeom>
+            <a:noFill/>
+          </p:spPr>
+          <p:txBody>
+            <a:bodyPr wrap="none" rtlCol="0">
+              <a:spAutoFit/>
+            </a:bodyPr>
+            <a:lstStyle/>
+            <a:p>
+              <a:pPr marL="342900" indent="-342900">
+                <a:buAutoNum type="arabicPeriod"/>
+              </a:pPr>
+              <a:r>
+                <a:rPr lang="ko-KR" altLang="en-US" dirty="0" smtClean="0"/>
+                <a:t>등록된 모든 음식점 조회</a:t>
+              </a:r>
+              <a:endParaRPr lang="en-US" altLang="ko-KR" dirty="0" smtClean="0"/>
+            </a:p>
+            <a:p>
+              <a:pPr marL="342900" indent="-342900">
+                <a:buAutoNum type="arabicPeriod"/>
+              </a:pPr>
+              <a:r>
+                <a:rPr lang="ko-KR" altLang="en-US" dirty="0" smtClean="0"/>
+                <a:t>해당 음식점의 자리 조회</a:t>
+              </a:r>
+              <a:endParaRPr lang="en-US" altLang="ko-KR" dirty="0" smtClean="0"/>
+            </a:p>
+            <a:p>
+              <a:pPr marL="342900" indent="-342900">
+                <a:buAutoNum type="arabicPeriod"/>
+              </a:pPr>
+              <a:r>
+                <a:rPr lang="ko-KR" altLang="en-US" dirty="0" smtClean="0"/>
+                <a:t>해당 음식점의 메뉴 조회</a:t>
+              </a:r>
+              <a:endParaRPr lang="en-US" altLang="ko-KR" dirty="0" smtClean="0"/>
+            </a:p>
+            <a:p>
+              <a:pPr marL="342900" indent="-342900">
+                <a:buAutoNum type="arabicPeriod"/>
+              </a:pPr>
+              <a:r>
+                <a:rPr lang="ko-KR" altLang="en-US" dirty="0" smtClean="0"/>
+                <a:t>해당 음식점의 리뷰 조회</a:t>
+              </a:r>
+              <a:endParaRPr lang="en-US" altLang="ko-KR" dirty="0" smtClean="0"/>
+            </a:p>
+            <a:p>
+              <a:pPr marL="342900" indent="-342900">
+                <a:buAutoNum type="arabicPeriod"/>
+              </a:pPr>
+              <a:r>
+                <a:rPr lang="ko-KR" altLang="en-US" dirty="0" smtClean="0"/>
+                <a:t>해당 음식점의 리뷰 작성</a:t>
+              </a:r>
+              <a:endParaRPr lang="en-US" altLang="ko-KR" dirty="0" smtClean="0"/>
+            </a:p>
+            <a:p>
+              <a:pPr marL="342900" indent="-342900">
+                <a:buAutoNum type="arabicPeriod"/>
+              </a:pPr>
+              <a:r>
+                <a:rPr lang="ko-KR" altLang="en-US" dirty="0" smtClean="0"/>
+                <a:t>음식점 추천 받기</a:t>
+              </a:r>
+              <a:endParaRPr lang="en-US" altLang="ko-KR" dirty="0" smtClean="0"/>
+            </a:p>
+            <a:p>
+              <a:pPr marL="342900" indent="-342900">
+                <a:buAutoNum type="arabicPeriod"/>
+              </a:pPr>
+              <a:r>
+                <a:rPr lang="ko-KR" altLang="en-US" dirty="0" smtClean="0"/>
+                <a:t>패스워드 수정</a:t>
+              </a:r>
+              <a:endParaRPr lang="en-US" altLang="ko-KR" dirty="0" smtClean="0"/>
+            </a:p>
+            <a:p>
+              <a:pPr marL="342900" indent="-342900">
+                <a:buAutoNum type="arabicPeriod"/>
+              </a:pPr>
+              <a:r>
+                <a:rPr lang="ko-KR" altLang="en-US" dirty="0" smtClean="0"/>
+                <a:t>로그아웃</a:t>
+              </a:r>
+              <a:endParaRPr lang="ko-KR" altLang="en-US" dirty="0"/>
+            </a:p>
+          </p:txBody>
+        </p:sp>
+      </p:grpSp>
+      <p:grpSp>
+        <p:nvGrpSpPr>
+          <p:cNvPr id="12" name="그룹 11"/>
+          <p:cNvGrpSpPr/>
+          <p:nvPr/>
+        </p:nvGrpSpPr>
+        <p:grpSpPr>
+          <a:xfrm>
+            <a:off x="4843355" y="4365104"/>
+            <a:ext cx="3384376" cy="1512168"/>
+            <a:chOff x="4572000" y="4797152"/>
+            <a:chExt cx="3384376" cy="1512168"/>
+          </a:xfrm>
+        </p:grpSpPr>
+        <p:sp>
+          <p:nvSpPr>
+            <p:cNvPr id="11" name="모서리가 둥근 직사각형 10"/>
+            <p:cNvSpPr/>
+            <p:nvPr/>
+          </p:nvSpPr>
+          <p:spPr>
+            <a:xfrm>
+              <a:off x="4572000" y="4797152"/>
+              <a:ext cx="3384376" cy="1512168"/>
+            </a:xfrm>
+            <a:prstGeom prst="roundRect">
+              <a:avLst/>
+            </a:prstGeom>
+            <a:solidFill>
+              <a:schemeClr val="bg1"/>
+            </a:solidFill>
+          </p:spPr>
+          <p:style>
+            <a:lnRef idx="2">
+              <a:schemeClr val="accent1">
+                <a:shade val="50000"/>
+              </a:schemeClr>
+            </a:lnRef>
+            <a:fillRef idx="1">
+              <a:schemeClr val="accent1"/>
+            </a:fillRef>
+            <a:effectRef idx="0">
+              <a:schemeClr val="accent1"/>
+            </a:effectRef>
+            <a:fontRef idx="minor">
+              <a:schemeClr val="lt1"/>
+            </a:fontRef>
+          </p:style>
+          <p:txBody>
+            <a:bodyPr rtlCol="0" anchor="ctr"/>
+            <a:lstStyle/>
+            <a:p>
+              <a:pPr algn="ctr"/>
+              <a:endParaRPr lang="ko-KR" altLang="en-US"/>
+            </a:p>
+          </p:txBody>
+        </p:sp>
+        <p:sp>
+          <p:nvSpPr>
+            <p:cNvPr id="7" name="TextBox 6"/>
+            <p:cNvSpPr txBox="1"/>
+            <p:nvPr/>
+          </p:nvSpPr>
+          <p:spPr>
+            <a:xfrm>
+              <a:off x="4716016" y="4941168"/>
+              <a:ext cx="3084499" cy="1200329"/>
+            </a:xfrm>
+            <a:prstGeom prst="rect">
+              <a:avLst/>
+            </a:prstGeom>
+            <a:noFill/>
+          </p:spPr>
+          <p:txBody>
+            <a:bodyPr wrap="none" rtlCol="0">
+              <a:spAutoFit/>
+            </a:bodyPr>
+            <a:lstStyle/>
+            <a:p>
+              <a:pPr marL="342900" indent="-342900">
+                <a:buAutoNum type="arabicPeriod"/>
+              </a:pPr>
+              <a:r>
+                <a:rPr lang="ko-KR" altLang="en-US" dirty="0" smtClean="0"/>
+                <a:t>등록된 모든 음식점 조회</a:t>
+              </a:r>
+              <a:endParaRPr lang="en-US" altLang="ko-KR" dirty="0" smtClean="0"/>
+            </a:p>
+            <a:p>
+              <a:pPr marL="342900" indent="-342900">
+                <a:buAutoNum type="arabicPeriod"/>
+              </a:pPr>
+              <a:r>
+                <a:rPr lang="ko-KR" altLang="en-US" dirty="0" smtClean="0"/>
+                <a:t>해당 음식점의 자리 조회</a:t>
+              </a:r>
+              <a:endParaRPr lang="en-US" altLang="ko-KR" dirty="0" smtClean="0"/>
+            </a:p>
+            <a:p>
+              <a:pPr marL="342900" indent="-342900">
+                <a:buAutoNum type="arabicPeriod"/>
+              </a:pPr>
+              <a:r>
+                <a:rPr lang="ko-KR" altLang="en-US" dirty="0" smtClean="0"/>
+                <a:t>해당 음식점의 메뉴 조회</a:t>
+              </a:r>
+              <a:endParaRPr lang="en-US" altLang="ko-KR" dirty="0" smtClean="0"/>
+            </a:p>
+            <a:p>
+              <a:pPr marL="342900" indent="-342900">
+                <a:buAutoNum type="arabicPeriod"/>
+              </a:pPr>
+              <a:r>
+                <a:rPr lang="ko-KR" altLang="en-US" dirty="0" smtClean="0"/>
+                <a:t>로그아</a:t>
+              </a:r>
+              <a:r>
+                <a:rPr lang="ko-KR" altLang="en-US" dirty="0"/>
+                <a:t>웃</a:t>
+              </a:r>
+            </a:p>
+          </p:txBody>
+        </p:sp>
+      </p:grpSp>
+      <p:cxnSp>
+        <p:nvCxnSpPr>
+          <p:cNvPr id="18" name="직선 화살표 연결선 17"/>
+          <p:cNvCxnSpPr>
+            <a:endCxn id="8" idx="1"/>
+          </p:cNvCxnSpPr>
+          <p:nvPr/>
+        </p:nvCxnSpPr>
+        <p:spPr>
+          <a:xfrm flipV="1">
+            <a:off x="3419872" y="2744924"/>
+            <a:ext cx="1440160" cy="612068"/>
+          </a:xfrm>
+          <a:prstGeom prst="straightConnector1">
+            <a:avLst/>
+          </a:prstGeom>
+          <a:ln w="19050">
+            <a:tailEnd type="arrow"/>
+          </a:ln>
+        </p:spPr>
+        <p:style>
+          <a:lnRef idx="1">
+            <a:schemeClr val="accent1"/>
+          </a:lnRef>
+          <a:fillRef idx="0">
+            <a:schemeClr val="accent1"/>
+          </a:fillRef>
+          <a:effectRef idx="0">
+            <a:schemeClr val="accent1"/>
+          </a:effectRef>
+          <a:fontRef idx="minor">
+            <a:schemeClr val="tx1"/>
+          </a:fontRef>
+        </p:style>
+      </p:cxnSp>
+      <p:cxnSp>
+        <p:nvCxnSpPr>
+          <p:cNvPr id="20" name="직선 화살표 연결선 19"/>
+          <p:cNvCxnSpPr>
+            <a:endCxn id="11" idx="1"/>
+          </p:cNvCxnSpPr>
+          <p:nvPr/>
+        </p:nvCxnSpPr>
         <p:spPr>
           <a:xfrm>
-            <a:off x="219937" y="2189763"/>
-            <a:ext cx="1903791" cy="2031325"/>
+            <a:off x="3419872" y="3645024"/>
+            <a:ext cx="1423483" cy="1476164"/>
           </a:xfrm>
-          <a:prstGeom prst="rect">
+          <a:prstGeom prst="straightConnector1">
             <a:avLst/>
           </a:prstGeom>
-          <a:noFill/>
+          <a:ln w="19050">
+            <a:tailEnd type="arrow"/>
+          </a:ln>
         </p:spPr>
-        <p:txBody>
-          <a:bodyPr wrap="none" rtlCol="0">
-            <a:spAutoFit/>
-          </a:bodyPr>
-          <a:lstStyle/>
-          <a:p>
-            <a:pPr marL="285750" indent="-285750">
-              <a:buFontTx/>
-              <a:buChar char="-"/>
-            </a:pPr>
-            <a:r>
-              <a:rPr lang="en-US" altLang="ko-KR" dirty="0" err="1" smtClean="0"/>
-              <a:t>StartServer</a:t>
-            </a:r>
-            <a:endParaRPr lang="en-US" altLang="ko-KR" dirty="0" smtClean="0"/>
-          </a:p>
-          <a:p>
-            <a:pPr marL="285750" indent="-285750">
-              <a:buFontTx/>
-              <a:buChar char="-"/>
-            </a:pPr>
-            <a:r>
-              <a:rPr lang="en-US" altLang="ko-KR" dirty="0" err="1" smtClean="0"/>
-              <a:t>EndServer</a:t>
-            </a:r>
-            <a:endParaRPr lang="en-US" altLang="ko-KR" dirty="0" smtClean="0"/>
-          </a:p>
-          <a:p>
-            <a:pPr marL="285750" indent="-285750">
-              <a:buFontTx/>
-              <a:buChar char="-"/>
-            </a:pPr>
-            <a:r>
-              <a:rPr lang="en-US" altLang="ko-KR" dirty="0" err="1" smtClean="0"/>
-              <a:t>RegisterClient</a:t>
-            </a:r>
-            <a:endParaRPr lang="en-US" altLang="ko-KR" dirty="0" smtClean="0"/>
-          </a:p>
-          <a:p>
-            <a:pPr marL="285750" indent="-285750">
-              <a:buFontTx/>
-              <a:buChar char="-"/>
-            </a:pPr>
-            <a:r>
-              <a:rPr lang="en-US" altLang="ko-KR" dirty="0" err="1" smtClean="0"/>
-              <a:t>RegisterStore</a:t>
-            </a:r>
-            <a:endParaRPr lang="en-US" altLang="ko-KR" dirty="0" smtClean="0"/>
-          </a:p>
-          <a:p>
-            <a:pPr marL="285750" indent="-285750">
-              <a:buFontTx/>
-              <a:buChar char="-"/>
-            </a:pPr>
-            <a:r>
-              <a:rPr lang="en-US" altLang="ko-KR" dirty="0" err="1" smtClean="0"/>
-              <a:t>LogInCLient</a:t>
-            </a:r>
-            <a:endParaRPr lang="en-US" altLang="ko-KR" dirty="0" smtClean="0"/>
-          </a:p>
-          <a:p>
-            <a:pPr marL="285750" indent="-285750">
-              <a:buFontTx/>
-              <a:buChar char="-"/>
-            </a:pPr>
-            <a:r>
-              <a:rPr lang="en-US" altLang="ko-KR" dirty="0" err="1" smtClean="0"/>
-              <a:t>LogInStore</a:t>
-            </a:r>
-            <a:endParaRPr lang="en-US" altLang="ko-KR" dirty="0" smtClean="0"/>
-          </a:p>
-          <a:p>
-            <a:pPr marL="285750" indent="-285750">
-              <a:buFontTx/>
-              <a:buChar char="-"/>
-            </a:pPr>
-            <a:endParaRPr lang="en-US" altLang="ko-KR" dirty="0" smtClean="0"/>
-          </a:p>
-        </p:txBody>
-      </p:sp>
-      <p:sp>
-        <p:nvSpPr>
-          <p:cNvPr id="4" name="TextBox 3"/>
-          <p:cNvSpPr txBox="1"/>
-          <p:nvPr/>
-        </p:nvSpPr>
-        <p:spPr>
-          <a:xfrm>
-            <a:off x="2627784" y="2132856"/>
-            <a:ext cx="3122009" cy="2585323"/>
-          </a:xfrm>
-          <a:prstGeom prst="rect">
-            <a:avLst/>
-          </a:prstGeom>
-          <a:noFill/>
-        </p:spPr>
-        <p:txBody>
-          <a:bodyPr wrap="none" rtlCol="0">
-            <a:spAutoFit/>
-          </a:bodyPr>
-          <a:lstStyle/>
-          <a:p>
-            <a:pPr marL="285750" indent="-285750">
-              <a:buFontTx/>
-              <a:buChar char="-"/>
-            </a:pPr>
-            <a:r>
-              <a:rPr lang="en-US" altLang="ko-KR" dirty="0" err="1" smtClean="0"/>
-              <a:t>StoreGetStoreTableInfo</a:t>
-            </a:r>
-            <a:endParaRPr lang="en-US" altLang="ko-KR" dirty="0" smtClean="0"/>
-          </a:p>
-          <a:p>
-            <a:pPr marL="285750" indent="-285750">
-              <a:buFontTx/>
-              <a:buChar char="-"/>
-            </a:pPr>
-            <a:r>
-              <a:rPr lang="en-US" altLang="ko-KR" dirty="0" err="1" smtClean="0"/>
-              <a:t>StoreGetStoreMenuInfo</a:t>
-            </a:r>
-            <a:endParaRPr lang="en-US" altLang="ko-KR" dirty="0" smtClean="0"/>
-          </a:p>
-          <a:p>
-            <a:pPr marL="285750" indent="-285750">
-              <a:buFontTx/>
-              <a:buChar char="-"/>
-            </a:pPr>
-            <a:r>
-              <a:rPr lang="en-US" altLang="ko-KR" dirty="0" err="1" smtClean="0"/>
-              <a:t>StoreGetStoreReview</a:t>
-            </a:r>
-            <a:endParaRPr lang="en-US" altLang="ko-KR" dirty="0" smtClean="0"/>
-          </a:p>
-          <a:p>
-            <a:pPr marL="285750" indent="-285750">
-              <a:buFontTx/>
-              <a:buChar char="-"/>
-            </a:pPr>
-            <a:r>
-              <a:rPr lang="en-US" altLang="ko-KR" dirty="0" err="1" smtClean="0"/>
-              <a:t>StoreClearMenuAndReset</a:t>
-            </a:r>
-            <a:endParaRPr lang="en-US" altLang="ko-KR" dirty="0" smtClean="0"/>
-          </a:p>
-          <a:p>
-            <a:pPr marL="285750" indent="-285750">
-              <a:buFontTx/>
-              <a:buChar char="-"/>
-            </a:pPr>
-            <a:r>
-              <a:rPr lang="en-US" altLang="ko-KR" dirty="0" err="1" smtClean="0"/>
-              <a:t>StoreClearTableAndReset</a:t>
-            </a:r>
-            <a:endParaRPr lang="en-US" altLang="ko-KR" dirty="0" smtClean="0"/>
-          </a:p>
-          <a:p>
-            <a:pPr marL="285750" indent="-285750">
-              <a:buFontTx/>
-              <a:buChar char="-"/>
-            </a:pPr>
-            <a:r>
-              <a:rPr lang="en-US" altLang="ko-KR" dirty="0" err="1" smtClean="0"/>
-              <a:t>StoreClearReview</a:t>
-            </a:r>
-            <a:endParaRPr lang="en-US" altLang="ko-KR" dirty="0" smtClean="0"/>
-          </a:p>
-          <a:p>
-            <a:pPr marL="285750" indent="-285750">
-              <a:buFontTx/>
-              <a:buChar char="-"/>
-            </a:pPr>
-            <a:r>
-              <a:rPr lang="en-US" altLang="ko-KR" dirty="0" err="1" smtClean="0"/>
-              <a:t>StoreResetPassword</a:t>
-            </a:r>
-            <a:endParaRPr lang="en-US" altLang="ko-KR" dirty="0" smtClean="0"/>
-          </a:p>
-          <a:p>
-            <a:pPr marL="285750" indent="-285750">
-              <a:buFontTx/>
-              <a:buChar char="-"/>
-            </a:pPr>
-            <a:r>
-              <a:rPr lang="en-US" altLang="ko-KR" dirty="0" err="1" smtClean="0"/>
-              <a:t>StoreFullTable</a:t>
-            </a:r>
-            <a:endParaRPr lang="en-US" altLang="ko-KR" dirty="0" smtClean="0"/>
-          </a:p>
-          <a:p>
-            <a:pPr marL="285750" indent="-285750">
-              <a:buFontTx/>
-              <a:buChar char="-"/>
-            </a:pPr>
-            <a:r>
-              <a:rPr lang="en-US" altLang="ko-KR" dirty="0" err="1" smtClean="0"/>
-              <a:t>StoreEmptyTable</a:t>
-            </a:r>
-            <a:endParaRPr lang="ko-KR" altLang="en-US" dirty="0"/>
-          </a:p>
-        </p:txBody>
-      </p:sp>
-      <p:sp>
-        <p:nvSpPr>
-          <p:cNvPr id="5" name="TextBox 4"/>
-          <p:cNvSpPr txBox="1"/>
-          <p:nvPr/>
-        </p:nvSpPr>
-        <p:spPr>
-          <a:xfrm>
-            <a:off x="6012160" y="2106722"/>
-            <a:ext cx="2976712" cy="1754326"/>
-          </a:xfrm>
-          <a:prstGeom prst="rect">
-            <a:avLst/>
-          </a:prstGeom>
-          <a:noFill/>
-        </p:spPr>
-        <p:txBody>
-          <a:bodyPr wrap="none" rtlCol="0">
-            <a:spAutoFit/>
-          </a:bodyPr>
-          <a:lstStyle/>
-          <a:p>
-            <a:pPr marL="285750" indent="-285750">
-              <a:buFontTx/>
-              <a:buChar char="-"/>
-            </a:pPr>
-            <a:r>
-              <a:rPr lang="en-US" altLang="ko-KR" dirty="0" err="1" smtClean="0"/>
-              <a:t>ClientShowAllStore</a:t>
-            </a:r>
-            <a:endParaRPr lang="en-US" altLang="ko-KR" dirty="0" smtClean="0"/>
-          </a:p>
-          <a:p>
-            <a:pPr marL="285750" indent="-285750">
-              <a:buFontTx/>
-              <a:buChar char="-"/>
-            </a:pPr>
-            <a:r>
-              <a:rPr lang="en-US" altLang="ko-KR" dirty="0" err="1" smtClean="0"/>
-              <a:t>ClientGetStoreTableInfo</a:t>
-            </a:r>
-            <a:endParaRPr lang="en-US" altLang="ko-KR" dirty="0" smtClean="0"/>
-          </a:p>
-          <a:p>
-            <a:pPr marL="285750" indent="-285750">
-              <a:buFontTx/>
-              <a:buChar char="-"/>
-            </a:pPr>
-            <a:r>
-              <a:rPr lang="en-US" altLang="ko-KR" dirty="0" err="1" smtClean="0"/>
-              <a:t>ClientGetStoreMenuInfo</a:t>
-            </a:r>
-            <a:endParaRPr lang="en-US" altLang="ko-KR" dirty="0" smtClean="0"/>
-          </a:p>
-          <a:p>
-            <a:pPr marL="285750" indent="-285750">
-              <a:buFontTx/>
-              <a:buChar char="-"/>
-            </a:pPr>
-            <a:r>
-              <a:rPr lang="en-US" altLang="ko-KR" dirty="0" err="1" smtClean="0"/>
-              <a:t>ClientGetStoreReview</a:t>
-            </a:r>
-            <a:endParaRPr lang="en-US" altLang="ko-KR" dirty="0" smtClean="0"/>
-          </a:p>
-          <a:p>
-            <a:pPr marL="285750" indent="-285750">
-              <a:buFontTx/>
-              <a:buChar char="-"/>
-            </a:pPr>
-            <a:r>
-              <a:rPr lang="en-US" altLang="ko-KR" dirty="0" err="1" smtClean="0"/>
-              <a:t>ClientSetStoreReview</a:t>
-            </a:r>
-            <a:endParaRPr lang="en-US" altLang="ko-KR" dirty="0" smtClean="0"/>
-          </a:p>
-          <a:p>
-            <a:pPr marL="285750" indent="-285750">
-              <a:buFontTx/>
-              <a:buChar char="-"/>
-            </a:pPr>
-            <a:r>
-              <a:rPr lang="en-US" altLang="ko-KR" dirty="0" err="1" smtClean="0"/>
-              <a:t>ClientResetPassword</a:t>
-            </a:r>
-            <a:endParaRPr lang="ko-KR" altLang="en-US" dirty="0"/>
-          </a:p>
-        </p:txBody>
-      </p:sp>
+        <p:style>
+          <a:lnRef idx="1">
+            <a:schemeClr val="accent1"/>
+          </a:lnRef>
+          <a:fillRef idx="0">
+            <a:schemeClr val="accent1"/>
+          </a:fillRef>
+          <a:effectRef idx="0">
+            <a:schemeClr val="accent1"/>
+          </a:effectRef>
+          <a:fontRef idx="minor">
+            <a:schemeClr val="tx1"/>
+          </a:fontRef>
+        </p:style>
+      </p:cxnSp>
     </p:spTree>
     <p:extLst>
       <p:ext uri="{BB962C8B-B14F-4D97-AF65-F5344CB8AC3E}">
-        <p14:creationId xmlns:p14="http://schemas.microsoft.com/office/powerpoint/2010/main" val="3336836998"/>
+        <p14:creationId xmlns:p14="http://schemas.microsoft.com/office/powerpoint/2010/main" val="3185521853"/>
       </p:ext>
     </p:extLst>
   </p:cSld>
@@ -6638,194 +6810,347 @@
             <a:pPr algn="l"/>
             <a:r>
               <a:rPr lang="en-US" altLang="ko-KR" b="1" dirty="0" smtClean="0"/>
-              <a:t>Client(Customer)</a:t>
+              <a:t>Client(Restaurant)</a:t>
             </a:r>
             <a:endParaRPr lang="ko-KR" altLang="en-US" b="1" dirty="0"/>
           </a:p>
         </p:txBody>
       </p:sp>
-      <p:sp>
-        <p:nvSpPr>
-          <p:cNvPr id="3" name="TextBox 2"/>
-          <p:cNvSpPr txBox="1"/>
+      <p:grpSp>
+        <p:nvGrpSpPr>
+          <p:cNvPr id="12" name="그룹 11"/>
+          <p:cNvGrpSpPr/>
           <p:nvPr/>
-        </p:nvSpPr>
+        </p:nvGrpSpPr>
+        <p:grpSpPr>
+          <a:xfrm>
+            <a:off x="1065708" y="3104964"/>
+            <a:ext cx="2088232" cy="1224136"/>
+            <a:chOff x="1043608" y="2492896"/>
+            <a:chExt cx="2088232" cy="1224136"/>
+          </a:xfrm>
+        </p:grpSpPr>
+        <p:sp>
+          <p:nvSpPr>
+            <p:cNvPr id="11" name="모서리가 둥근 직사각형 10"/>
+            <p:cNvSpPr/>
+            <p:nvPr/>
+          </p:nvSpPr>
+          <p:spPr>
+            <a:xfrm>
+              <a:off x="1043608" y="2492896"/>
+              <a:ext cx="2088232" cy="1224136"/>
+            </a:xfrm>
+            <a:prstGeom prst="roundRect">
+              <a:avLst/>
+            </a:prstGeom>
+            <a:solidFill>
+              <a:schemeClr val="bg1"/>
+            </a:solidFill>
+          </p:spPr>
+          <p:style>
+            <a:lnRef idx="2">
+              <a:schemeClr val="accent1">
+                <a:shade val="50000"/>
+              </a:schemeClr>
+            </a:lnRef>
+            <a:fillRef idx="1">
+              <a:schemeClr val="accent1"/>
+            </a:fillRef>
+            <a:effectRef idx="0">
+              <a:schemeClr val="accent1"/>
+            </a:effectRef>
+            <a:fontRef idx="minor">
+              <a:schemeClr val="lt1"/>
+            </a:fontRef>
+          </p:style>
+          <p:txBody>
+            <a:bodyPr rtlCol="0" anchor="ctr"/>
+            <a:lstStyle/>
+            <a:p>
+              <a:pPr algn="ctr"/>
+              <a:endParaRPr lang="ko-KR" altLang="en-US"/>
+            </a:p>
+          </p:txBody>
+        </p:sp>
+        <p:sp>
+          <p:nvSpPr>
+            <p:cNvPr id="5" name="TextBox 4"/>
+            <p:cNvSpPr txBox="1"/>
+            <p:nvPr/>
+          </p:nvSpPr>
+          <p:spPr>
+            <a:xfrm>
+              <a:off x="1187624" y="2636912"/>
+              <a:ext cx="1766830" cy="923330"/>
+            </a:xfrm>
+            <a:prstGeom prst="rect">
+              <a:avLst/>
+            </a:prstGeom>
+            <a:noFill/>
+          </p:spPr>
+          <p:txBody>
+            <a:bodyPr wrap="none" rtlCol="0">
+              <a:spAutoFit/>
+            </a:bodyPr>
+            <a:lstStyle/>
+            <a:p>
+              <a:pPr marL="342900" indent="-342900">
+                <a:buAutoNum type="arabicPeriod"/>
+              </a:pPr>
+              <a:r>
+                <a:rPr lang="ko-KR" altLang="en-US" dirty="0" smtClean="0"/>
+                <a:t>로그인</a:t>
+              </a:r>
+              <a:endParaRPr lang="en-US" altLang="ko-KR" dirty="0" smtClean="0"/>
+            </a:p>
+            <a:p>
+              <a:pPr marL="342900" indent="-342900">
+                <a:buAutoNum type="arabicPeriod"/>
+              </a:pPr>
+              <a:r>
+                <a:rPr lang="ko-KR" altLang="en-US" dirty="0" smtClean="0"/>
+                <a:t>음식점 가입</a:t>
+              </a:r>
+              <a:endParaRPr lang="en-US" altLang="ko-KR" dirty="0" smtClean="0"/>
+            </a:p>
+            <a:p>
+              <a:pPr marL="342900" indent="-342900">
+                <a:buAutoNum type="arabicPeriod"/>
+              </a:pPr>
+              <a:r>
+                <a:rPr lang="ko-KR" altLang="en-US" dirty="0" smtClean="0"/>
+                <a:t>종</a:t>
+              </a:r>
+              <a:r>
+                <a:rPr lang="ko-KR" altLang="en-US" dirty="0"/>
+                <a:t>료</a:t>
+              </a:r>
+            </a:p>
+          </p:txBody>
+        </p:sp>
+      </p:grpSp>
+      <p:grpSp>
+        <p:nvGrpSpPr>
+          <p:cNvPr id="9" name="그룹 8"/>
+          <p:cNvGrpSpPr/>
+          <p:nvPr/>
+        </p:nvGrpSpPr>
+        <p:grpSpPr>
+          <a:xfrm>
+            <a:off x="4211960" y="2060848"/>
+            <a:ext cx="3816424" cy="3312368"/>
+            <a:chOff x="3851920" y="1340768"/>
+            <a:chExt cx="3816424" cy="3312368"/>
+          </a:xfrm>
+        </p:grpSpPr>
+        <p:sp>
+          <p:nvSpPr>
+            <p:cNvPr id="8" name="모서리가 둥근 직사각형 7"/>
+            <p:cNvSpPr/>
+            <p:nvPr/>
+          </p:nvSpPr>
+          <p:spPr>
+            <a:xfrm>
+              <a:off x="3851920" y="1340768"/>
+              <a:ext cx="3816424" cy="3312368"/>
+            </a:xfrm>
+            <a:prstGeom prst="roundRect">
+              <a:avLst/>
+            </a:prstGeom>
+            <a:solidFill>
+              <a:schemeClr val="bg1"/>
+            </a:solidFill>
+          </p:spPr>
+          <p:style>
+            <a:lnRef idx="2">
+              <a:schemeClr val="accent1">
+                <a:shade val="50000"/>
+              </a:schemeClr>
+            </a:lnRef>
+            <a:fillRef idx="1">
+              <a:schemeClr val="accent1"/>
+            </a:fillRef>
+            <a:effectRef idx="0">
+              <a:schemeClr val="accent1"/>
+            </a:effectRef>
+            <a:fontRef idx="minor">
+              <a:schemeClr val="lt1"/>
+            </a:fontRef>
+          </p:style>
+          <p:txBody>
+            <a:bodyPr rtlCol="0" anchor="ctr"/>
+            <a:lstStyle/>
+            <a:p>
+              <a:pPr algn="ctr"/>
+              <a:endParaRPr lang="ko-KR" altLang="en-US"/>
+            </a:p>
+          </p:txBody>
+        </p:sp>
+        <p:sp>
+          <p:nvSpPr>
+            <p:cNvPr id="6" name="TextBox 5"/>
+            <p:cNvSpPr txBox="1"/>
+            <p:nvPr/>
+          </p:nvSpPr>
+          <p:spPr>
+            <a:xfrm>
+              <a:off x="4067944" y="1556792"/>
+              <a:ext cx="3397084" cy="2862322"/>
+            </a:xfrm>
+            <a:prstGeom prst="rect">
+              <a:avLst/>
+            </a:prstGeom>
+            <a:noFill/>
+          </p:spPr>
+          <p:txBody>
+            <a:bodyPr wrap="none" rtlCol="0">
+              <a:spAutoFit/>
+            </a:bodyPr>
+            <a:lstStyle/>
+            <a:p>
+              <a:pPr marL="342900" indent="-342900">
+                <a:buAutoNum type="arabicPeriod"/>
+              </a:pPr>
+              <a:r>
+                <a:rPr lang="ko-KR" altLang="en-US" dirty="0" smtClean="0"/>
+                <a:t>자리 현황 조회</a:t>
+              </a:r>
+              <a:endParaRPr lang="en-US" altLang="ko-KR" dirty="0" smtClean="0"/>
+            </a:p>
+            <a:p>
+              <a:pPr marL="342900" indent="-342900">
+                <a:buAutoNum type="arabicPeriod"/>
+              </a:pPr>
+              <a:r>
+                <a:rPr lang="ko-KR" altLang="en-US" dirty="0" smtClean="0"/>
+                <a:t>메뉴 조회</a:t>
+              </a:r>
+              <a:endParaRPr lang="en-US" altLang="ko-KR" dirty="0" smtClean="0"/>
+            </a:p>
+            <a:p>
+              <a:pPr marL="342900" indent="-342900">
+                <a:buAutoNum type="arabicPeriod"/>
+              </a:pPr>
+              <a:r>
+                <a:rPr lang="ko-KR" altLang="en-US" dirty="0" smtClean="0"/>
+                <a:t>리뷰 조회</a:t>
+              </a:r>
+              <a:endParaRPr lang="en-US" altLang="ko-KR" dirty="0" smtClean="0"/>
+            </a:p>
+            <a:p>
+              <a:pPr marL="342900" indent="-342900">
+                <a:buAutoNum type="arabicPeriod"/>
+              </a:pPr>
+              <a:r>
+                <a:rPr lang="ko-KR" altLang="en-US" dirty="0" smtClean="0"/>
+                <a:t>메뉴 정보 초기화 및 재등록</a:t>
+              </a:r>
+              <a:endParaRPr lang="en-US" altLang="ko-KR" dirty="0" smtClean="0"/>
+            </a:p>
+            <a:p>
+              <a:pPr marL="342900" indent="-342900">
+                <a:buAutoNum type="arabicPeriod"/>
+              </a:pPr>
+              <a:r>
+                <a:rPr lang="ko-KR" altLang="en-US" dirty="0" smtClean="0"/>
+                <a:t>자리 정보 초기화 및 재등록</a:t>
+              </a:r>
+              <a:endParaRPr lang="en-US" altLang="ko-KR" dirty="0" smtClean="0"/>
+            </a:p>
+            <a:p>
+              <a:pPr marL="342900" indent="-342900">
+                <a:buAutoNum type="arabicPeriod"/>
+              </a:pPr>
+              <a:r>
+                <a:rPr lang="ko-KR" altLang="en-US" dirty="0" smtClean="0"/>
+                <a:t>리뷰 초기화</a:t>
+              </a:r>
+              <a:endParaRPr lang="en-US" altLang="ko-KR" dirty="0" smtClean="0"/>
+            </a:p>
+            <a:p>
+              <a:pPr marL="342900" indent="-342900">
+                <a:buAutoNum type="arabicPeriod"/>
+              </a:pPr>
+              <a:r>
+                <a:rPr lang="ko-KR" altLang="en-US" dirty="0" smtClean="0"/>
+                <a:t>패스워드 수정</a:t>
+              </a:r>
+              <a:endParaRPr lang="en-US" altLang="ko-KR" dirty="0" smtClean="0"/>
+            </a:p>
+            <a:p>
+              <a:pPr marL="342900" indent="-342900">
+                <a:buAutoNum type="arabicPeriod"/>
+              </a:pPr>
+              <a:r>
+                <a:rPr lang="ko-KR" altLang="en-US" dirty="0" smtClean="0"/>
+                <a:t>테이블 사용</a:t>
+              </a:r>
+              <a:endParaRPr lang="en-US" altLang="ko-KR" dirty="0" smtClean="0"/>
+            </a:p>
+            <a:p>
+              <a:pPr marL="342900" indent="-342900">
+                <a:buAutoNum type="arabicPeriod"/>
+              </a:pPr>
+              <a:r>
+                <a:rPr lang="ko-KR" altLang="en-US" dirty="0" smtClean="0"/>
+                <a:t>테이블 비움</a:t>
+              </a:r>
+              <a:endParaRPr lang="en-US" altLang="ko-KR" dirty="0" smtClean="0"/>
+            </a:p>
+            <a:p>
+              <a:pPr marL="342900" indent="-342900">
+                <a:buAutoNum type="arabicPeriod"/>
+              </a:pPr>
+              <a:r>
+                <a:rPr lang="ko-KR" altLang="en-US" dirty="0" smtClean="0"/>
+                <a:t>로그 아웃 </a:t>
+              </a:r>
+              <a:endParaRPr lang="ko-KR" altLang="en-US" dirty="0"/>
+            </a:p>
+          </p:txBody>
+        </p:sp>
+      </p:grpSp>
+      <p:cxnSp>
+        <p:nvCxnSpPr>
+          <p:cNvPr id="14" name="직선 화살표 연결선 13"/>
+          <p:cNvCxnSpPr>
+            <a:stCxn id="11" idx="3"/>
+            <a:endCxn id="8" idx="1"/>
+          </p:cNvCxnSpPr>
+          <p:nvPr/>
+        </p:nvCxnSpPr>
         <p:spPr>
           <a:xfrm>
-            <a:off x="1945688" y="2189763"/>
-            <a:ext cx="1618200" cy="923330"/>
+            <a:off x="3153940" y="3717032"/>
+            <a:ext cx="1058020" cy="0"/>
           </a:xfrm>
-          <a:prstGeom prst="rect">
+          <a:prstGeom prst="straightConnector1">
             <a:avLst/>
           </a:prstGeom>
-          <a:noFill/>
+          <a:ln w="25400">
+            <a:tailEnd type="arrow"/>
+          </a:ln>
         </p:spPr>
-        <p:txBody>
-          <a:bodyPr wrap="none" rtlCol="0">
-            <a:spAutoFit/>
-          </a:bodyPr>
-          <a:lstStyle/>
-          <a:p>
-            <a:pPr marL="285750" indent="-285750">
-              <a:buFontTx/>
-              <a:buChar char="-"/>
-            </a:pPr>
-            <a:r>
-              <a:rPr lang="en-US" altLang="ko-KR" dirty="0" err="1" smtClean="0"/>
-              <a:t>StartClient</a:t>
-            </a:r>
-            <a:endParaRPr lang="en-US" altLang="ko-KR" dirty="0" smtClean="0"/>
-          </a:p>
-          <a:p>
-            <a:pPr marL="285750" indent="-285750">
-              <a:buFontTx/>
-              <a:buChar char="-"/>
-            </a:pPr>
-            <a:r>
-              <a:rPr lang="en-US" altLang="ko-KR" dirty="0" err="1" smtClean="0"/>
-              <a:t>EndClient</a:t>
-            </a:r>
-            <a:endParaRPr lang="en-US" altLang="ko-KR" dirty="0" smtClean="0"/>
-          </a:p>
-          <a:p>
-            <a:pPr marL="285750" indent="-285750">
-              <a:buFontTx/>
-              <a:buChar char="-"/>
-            </a:pPr>
-            <a:r>
-              <a:rPr lang="en-US" altLang="ko-KR" dirty="0" err="1" smtClean="0"/>
-              <a:t>WorkClient</a:t>
-            </a:r>
-            <a:endParaRPr lang="en-US" altLang="ko-KR" dirty="0" smtClean="0"/>
-          </a:p>
-        </p:txBody>
-      </p:sp>
-      <p:sp>
-        <p:nvSpPr>
-          <p:cNvPr id="4" name="TextBox 3"/>
-          <p:cNvSpPr txBox="1"/>
-          <p:nvPr/>
-        </p:nvSpPr>
-        <p:spPr>
-          <a:xfrm>
-            <a:off x="4572000" y="2132856"/>
-            <a:ext cx="2502223" cy="2585323"/>
-          </a:xfrm>
-          <a:prstGeom prst="rect">
-            <a:avLst/>
-          </a:prstGeom>
-          <a:noFill/>
-        </p:spPr>
-        <p:txBody>
-          <a:bodyPr wrap="none" rtlCol="0">
-            <a:spAutoFit/>
-          </a:bodyPr>
-          <a:lstStyle/>
-          <a:p>
-            <a:pPr marL="285750" indent="-285750">
-              <a:buFontTx/>
-              <a:buChar char="-"/>
-            </a:pPr>
-            <a:r>
-              <a:rPr lang="en-US" altLang="ko-KR" dirty="0" err="1" smtClean="0"/>
-              <a:t>aLogIn</a:t>
-            </a:r>
-            <a:endParaRPr lang="en-US" altLang="ko-KR" dirty="0" smtClean="0"/>
-          </a:p>
-          <a:p>
-            <a:pPr marL="285750" indent="-285750">
-              <a:buFontTx/>
-              <a:buChar char="-"/>
-            </a:pPr>
-            <a:r>
-              <a:rPr lang="en-US" altLang="ko-KR" dirty="0" err="1" smtClean="0"/>
-              <a:t>aPrintMember</a:t>
-            </a:r>
-            <a:endParaRPr lang="en-US" altLang="ko-KR" dirty="0" smtClean="0"/>
-          </a:p>
-          <a:p>
-            <a:pPr marL="285750" indent="-285750">
-              <a:buFontTx/>
-              <a:buChar char="-"/>
-            </a:pPr>
-            <a:r>
-              <a:rPr lang="en-US" altLang="ko-KR" dirty="0" err="1" smtClean="0"/>
-              <a:t>aPrintNoMember</a:t>
-            </a:r>
-            <a:endParaRPr lang="en-US" altLang="ko-KR" dirty="0" smtClean="0"/>
-          </a:p>
-          <a:p>
-            <a:pPr marL="285750" indent="-285750">
-              <a:buFontTx/>
-              <a:buChar char="-"/>
-            </a:pPr>
-            <a:r>
-              <a:rPr lang="en-US" altLang="ko-KR" dirty="0" err="1" smtClean="0"/>
-              <a:t>aShowAllStore</a:t>
-            </a:r>
-            <a:endParaRPr lang="en-US" altLang="ko-KR" dirty="0" smtClean="0"/>
-          </a:p>
-          <a:p>
-            <a:pPr marL="285750" indent="-285750">
-              <a:buFontTx/>
-              <a:buChar char="-"/>
-            </a:pPr>
-            <a:r>
-              <a:rPr lang="en-US" altLang="ko-KR" dirty="0" err="1" smtClean="0"/>
-              <a:t>aGetStoreTableInfo</a:t>
-            </a:r>
-            <a:endParaRPr lang="en-US" altLang="ko-KR" dirty="0" smtClean="0"/>
-          </a:p>
-          <a:p>
-            <a:pPr marL="285750" indent="-285750">
-              <a:buFontTx/>
-              <a:buChar char="-"/>
-            </a:pPr>
-            <a:r>
-              <a:rPr lang="en-US" altLang="ko-KR" dirty="0" err="1" smtClean="0"/>
-              <a:t>aGetStoreMenuInfo</a:t>
-            </a:r>
-            <a:endParaRPr lang="en-US" altLang="ko-KR" dirty="0" smtClean="0"/>
-          </a:p>
-          <a:p>
-            <a:pPr marL="285750" indent="-285750">
-              <a:buFontTx/>
-              <a:buChar char="-"/>
-            </a:pPr>
-            <a:r>
-              <a:rPr lang="en-US" altLang="ko-KR" dirty="0" err="1" smtClean="0"/>
-              <a:t>aGetStoreReview</a:t>
-            </a:r>
-            <a:endParaRPr lang="en-US" altLang="ko-KR" dirty="0" smtClean="0"/>
-          </a:p>
-          <a:p>
-            <a:pPr marL="285750" indent="-285750">
-              <a:buFontTx/>
-              <a:buChar char="-"/>
-            </a:pPr>
-            <a:r>
-              <a:rPr lang="en-US" altLang="ko-KR" dirty="0" err="1" smtClean="0"/>
-              <a:t>aSetStoreReview</a:t>
-            </a:r>
-            <a:endParaRPr lang="en-US" altLang="ko-KR" dirty="0" smtClean="0"/>
-          </a:p>
-          <a:p>
-            <a:pPr marL="285750" indent="-285750">
-              <a:buFontTx/>
-              <a:buChar char="-"/>
-            </a:pPr>
-            <a:r>
-              <a:rPr lang="en-US" altLang="ko-KR" dirty="0" smtClean="0"/>
-              <a:t>aResetPassword0</a:t>
-            </a:r>
-            <a:endParaRPr lang="ko-KR" altLang="en-US" dirty="0"/>
-          </a:p>
-        </p:txBody>
-      </p:sp>
+        <p:style>
+          <a:lnRef idx="1">
+            <a:schemeClr val="accent1"/>
+          </a:lnRef>
+          <a:fillRef idx="0">
+            <a:schemeClr val="accent1"/>
+          </a:fillRef>
+          <a:effectRef idx="0">
+            <a:schemeClr val="accent1"/>
+          </a:effectRef>
+          <a:fontRef idx="minor">
+            <a:schemeClr val="tx1"/>
+          </a:fontRef>
+        </p:style>
+      </p:cxnSp>
     </p:spTree>
     <p:extLst>
       <p:ext uri="{BB962C8B-B14F-4D97-AF65-F5344CB8AC3E}">
-        <p14:creationId xmlns:p14="http://schemas.microsoft.com/office/powerpoint/2010/main" val="3185521853"/>
+        <p14:creationId xmlns:p14="http://schemas.microsoft.com/office/powerpoint/2010/main" val="3427075941"/>
       </p:ext>
     </p:extLst>
   </p:cSld>
@@ -6875,7 +7200,7 @@
             <a:pPr algn="l"/>
             <a:r>
               <a:rPr lang="en-US" altLang="ko-KR" b="1" dirty="0" smtClean="0"/>
-              <a:t>Client(Restaurant)</a:t>
+              <a:t>Server</a:t>
             </a:r>
             <a:endParaRPr lang="ko-KR" altLang="en-US" b="1" dirty="0"/>
           </a:p>
@@ -6883,14 +7208,14 @@
       </p:sp>
       <p:sp>
         <p:nvSpPr>
-          <p:cNvPr id="3" name="TextBox 2"/>
+          <p:cNvPr id="8" name="TextBox 7"/>
           <p:cNvSpPr txBox="1"/>
           <p:nvPr/>
         </p:nvSpPr>
         <p:spPr>
           <a:xfrm>
-            <a:off x="1945688" y="2189763"/>
-            <a:ext cx="1558504" cy="923330"/>
+            <a:off x="35496" y="2006837"/>
+            <a:ext cx="2310248" cy="3693319"/>
           </a:xfrm>
           <a:prstGeom prst="rect">
             <a:avLst/>
@@ -6903,35 +7228,108 @@
           </a:bodyPr>
           <a:lstStyle/>
           <a:p>
-            <a:pPr marL="285750" indent="-285750">
-              <a:buFontTx/>
-              <a:buChar char="-"/>
+            <a:pPr marL="342900" indent="-342900" algn="r">
+              <a:buAutoNum type="arabicPeriod"/>
             </a:pPr>
             <a:r>
-              <a:rPr lang="en-US" altLang="ko-KR" dirty="0" err="1" smtClean="0"/>
-              <a:t>StartStore</a:t>
+              <a:rPr lang="ko-KR" altLang="en-US" dirty="0" smtClean="0"/>
+              <a:t>모든 음식점 조회</a:t>
             </a:r>
             <a:endParaRPr lang="en-US" altLang="ko-KR" dirty="0" smtClean="0"/>
           </a:p>
           <a:p>
-            <a:pPr marL="285750" indent="-285750">
-              <a:buFontTx/>
-              <a:buChar char="-"/>
+            <a:pPr marL="342900" indent="-342900" algn="r">
+              <a:buAutoNum type="arabicPeriod"/>
             </a:pPr>
-            <a:r>
-              <a:rPr lang="en-US" altLang="ko-KR" dirty="0" err="1" smtClean="0"/>
-              <a:t>EndStore</a:t>
-            </a:r>
             <a:endParaRPr lang="en-US" altLang="ko-KR" dirty="0" smtClean="0"/>
           </a:p>
           <a:p>
-            <a:pPr marL="285750" indent="-285750">
-              <a:buFontTx/>
-              <a:buChar char="-"/>
+            <a:pPr marL="342900" indent="-342900" algn="r">
+              <a:buAutoNum type="arabicPeriod"/>
             </a:pPr>
             <a:r>
-              <a:rPr lang="en-US" altLang="ko-KR" dirty="0" err="1" smtClean="0"/>
-              <a:t>WorkStore</a:t>
+              <a:rPr lang="ko-KR" altLang="en-US" dirty="0" smtClean="0"/>
+              <a:t>자리 조회</a:t>
+            </a:r>
+            <a:endParaRPr lang="en-US" altLang="ko-KR" dirty="0" smtClean="0"/>
+          </a:p>
+          <a:p>
+            <a:pPr marL="342900" indent="-342900" algn="r">
+              <a:buAutoNum type="arabicPeriod"/>
+            </a:pPr>
+            <a:endParaRPr lang="en-US" altLang="ko-KR" dirty="0" smtClean="0"/>
+          </a:p>
+          <a:p>
+            <a:pPr marL="342900" indent="-342900" algn="r">
+              <a:buAutoNum type="arabicPeriod"/>
+            </a:pPr>
+            <a:r>
+              <a:rPr lang="ko-KR" altLang="en-US" dirty="0" smtClean="0"/>
+              <a:t>메뉴 조회</a:t>
+            </a:r>
+            <a:endParaRPr lang="en-US" altLang="ko-KR" dirty="0" smtClean="0"/>
+          </a:p>
+          <a:p>
+            <a:pPr marL="342900" indent="-342900" algn="r">
+              <a:buAutoNum type="arabicPeriod"/>
+            </a:pPr>
+            <a:endParaRPr lang="en-US" altLang="ko-KR" dirty="0" smtClean="0"/>
+          </a:p>
+          <a:p>
+            <a:pPr marL="342900" indent="-342900" algn="r">
+              <a:buAutoNum type="arabicPeriod"/>
+            </a:pPr>
+            <a:r>
+              <a:rPr lang="ko-KR" altLang="en-US" dirty="0" smtClean="0"/>
+              <a:t>리뷰 조회</a:t>
+            </a:r>
+            <a:endParaRPr lang="en-US" altLang="ko-KR" dirty="0" smtClean="0"/>
+          </a:p>
+          <a:p>
+            <a:pPr marL="342900" indent="-342900" algn="r">
+              <a:buAutoNum type="arabicPeriod"/>
+            </a:pPr>
+            <a:endParaRPr lang="en-US" altLang="ko-KR" dirty="0" smtClean="0"/>
+          </a:p>
+          <a:p>
+            <a:pPr marL="342900" indent="-342900" algn="r">
+              <a:buAutoNum type="arabicPeriod"/>
+            </a:pPr>
+            <a:r>
+              <a:rPr lang="ko-KR" altLang="en-US" dirty="0" smtClean="0"/>
+              <a:t>리뷰 작성</a:t>
+            </a:r>
+            <a:endParaRPr lang="en-US" altLang="ko-KR" dirty="0" smtClean="0"/>
+          </a:p>
+          <a:p>
+            <a:pPr marL="342900" indent="-342900" algn="r">
+              <a:buAutoNum type="arabicPeriod"/>
+            </a:pPr>
+            <a:endParaRPr lang="en-US" altLang="ko-KR" dirty="0" smtClean="0"/>
+          </a:p>
+          <a:p>
+            <a:pPr marL="342900" indent="-342900" algn="r">
+              <a:buAutoNum type="arabicPeriod"/>
+            </a:pPr>
+            <a:r>
+              <a:rPr lang="ko-KR" altLang="en-US" dirty="0" smtClean="0"/>
+              <a:t>음식점 추천</a:t>
+            </a:r>
+            <a:endParaRPr lang="en-US" altLang="ko-KR" dirty="0" smtClean="0"/>
+          </a:p>
+          <a:p>
+            <a:pPr marL="342900" indent="-342900" algn="r">
+              <a:buAutoNum type="arabicPeriod"/>
+            </a:pPr>
+            <a:endParaRPr lang="en-US" altLang="ko-KR" dirty="0"/>
+          </a:p>
+          <a:p>
+            <a:pPr marL="342900" indent="-342900" algn="r">
+              <a:buAutoNum type="arabicPeriod"/>
+            </a:pPr>
+            <a:r>
+              <a:rPr lang="ko-KR" altLang="en-US" dirty="0" smtClean="0"/>
+              <a:t>패스워드 수정</a:t>
             </a:r>
             <a:endParaRPr lang="en-US" altLang="ko-KR" dirty="0" smtClean="0"/>
           </a:p>
@@ -6939,14 +7337,14 @@
       </p:sp>
       <p:sp>
         <p:nvSpPr>
-          <p:cNvPr id="4" name="TextBox 3"/>
+          <p:cNvPr id="11" name="TextBox 10"/>
           <p:cNvSpPr txBox="1"/>
           <p:nvPr/>
         </p:nvSpPr>
         <p:spPr>
           <a:xfrm>
-            <a:off x="4572000" y="2132856"/>
-            <a:ext cx="2707216" cy="3139321"/>
+            <a:off x="6245093" y="1484784"/>
+            <a:ext cx="2853666" cy="5078313"/>
           </a:xfrm>
           <a:prstGeom prst="rect">
             <a:avLst/>
@@ -6959,132 +7357,1444 @@
           </a:bodyPr>
           <a:lstStyle/>
           <a:p>
-            <a:pPr marL="285750" indent="-285750">
-              <a:buFontTx/>
-              <a:buChar char="-"/>
+            <a:pPr marL="342900" indent="-342900">
+              <a:buAutoNum type="arabicPeriod"/>
             </a:pPr>
             <a:r>
-              <a:rPr lang="en-US" altLang="ko-KR" dirty="0" err="1" smtClean="0"/>
-              <a:t>aLogIn</a:t>
+              <a:rPr lang="ko-KR" altLang="en-US" dirty="0" smtClean="0"/>
+              <a:t>자리 현황 조회</a:t>
             </a:r>
             <a:endParaRPr lang="en-US" altLang="ko-KR" dirty="0" smtClean="0"/>
           </a:p>
           <a:p>
-            <a:pPr marL="285750" indent="-285750">
-              <a:buFontTx/>
-              <a:buChar char="-"/>
+            <a:pPr marL="342900" indent="-342900">
+              <a:buAutoNum type="arabicPeriod"/>
             </a:pPr>
-            <a:r>
-              <a:rPr lang="en-US" altLang="ko-KR" dirty="0" err="1" smtClean="0"/>
-              <a:t>aPrintMenu</a:t>
-            </a:r>
             <a:endParaRPr lang="en-US" altLang="ko-KR" dirty="0" smtClean="0"/>
           </a:p>
           <a:p>
-            <a:pPr marL="285750" indent="-285750">
-              <a:buFontTx/>
-              <a:buChar char="-"/>
+            <a:pPr marL="342900" indent="-342900">
+              <a:buAutoNum type="arabicPeriod"/>
             </a:pPr>
             <a:r>
-              <a:rPr lang="en-US" altLang="ko-KR" dirty="0" err="1" smtClean="0"/>
-              <a:t>aGetStoreTableInfo</a:t>
+              <a:rPr lang="ko-KR" altLang="en-US" dirty="0" smtClean="0"/>
+              <a:t>메뉴 조회</a:t>
             </a:r>
             <a:endParaRPr lang="en-US" altLang="ko-KR" dirty="0" smtClean="0"/>
           </a:p>
           <a:p>
-            <a:pPr marL="285750" indent="-285750">
-              <a:buFontTx/>
-              <a:buChar char="-"/>
+            <a:pPr marL="342900" indent="-342900">
+              <a:buAutoNum type="arabicPeriod"/>
             </a:pPr>
-            <a:r>
-              <a:rPr lang="en-US" altLang="ko-KR" dirty="0" err="1" smtClean="0"/>
-              <a:t>aGetStoreMenuInfo</a:t>
-            </a:r>
             <a:endParaRPr lang="en-US" altLang="ko-KR" dirty="0" smtClean="0"/>
           </a:p>
           <a:p>
-            <a:pPr marL="285750" indent="-285750">
-              <a:buFontTx/>
-              <a:buChar char="-"/>
+            <a:pPr marL="342900" indent="-342900">
+              <a:buAutoNum type="arabicPeriod"/>
             </a:pPr>
             <a:r>
-              <a:rPr lang="en-US" altLang="ko-KR" dirty="0" err="1" smtClean="0"/>
-              <a:t>aGetStoreReview</a:t>
+              <a:rPr lang="ko-KR" altLang="en-US" dirty="0" smtClean="0"/>
+              <a:t>리뷰 조회</a:t>
             </a:r>
             <a:endParaRPr lang="en-US" altLang="ko-KR" dirty="0" smtClean="0"/>
           </a:p>
           <a:p>
-            <a:pPr marL="285750" indent="-285750">
-              <a:buFontTx/>
-              <a:buChar char="-"/>
+            <a:pPr marL="342900" indent="-342900">
+              <a:buAutoNum type="arabicPeriod"/>
             </a:pPr>
-            <a:r>
-              <a:rPr lang="en-US" altLang="ko-KR" dirty="0" err="1" smtClean="0"/>
-              <a:t>aClearMenuAndReset</a:t>
-            </a:r>
             <a:endParaRPr lang="en-US" altLang="ko-KR" dirty="0" smtClean="0"/>
           </a:p>
           <a:p>
-            <a:pPr marL="285750" indent="-285750">
-              <a:buFontTx/>
-              <a:buChar char="-"/>
+            <a:pPr marL="342900" indent="-342900">
+              <a:buAutoNum type="arabicPeriod"/>
             </a:pPr>
             <a:r>
-              <a:rPr lang="en-US" altLang="ko-KR" dirty="0" err="1" smtClean="0"/>
-              <a:t>aClearTableAndReset</a:t>
+              <a:rPr lang="ko-KR" altLang="en-US" dirty="0" smtClean="0"/>
+              <a:t>메뉴 초기화 및 재등록</a:t>
             </a:r>
             <a:endParaRPr lang="en-US" altLang="ko-KR" dirty="0" smtClean="0"/>
           </a:p>
           <a:p>
-            <a:pPr marL="285750" indent="-285750">
-              <a:buFontTx/>
-              <a:buChar char="-"/>
+            <a:pPr marL="342900" indent="-342900">
+              <a:buAutoNum type="arabicPeriod"/>
             </a:pPr>
-            <a:r>
-              <a:rPr lang="en-US" altLang="ko-KR" dirty="0" err="1" smtClean="0"/>
-              <a:t>aClearReview</a:t>
-            </a:r>
             <a:endParaRPr lang="en-US" altLang="ko-KR" dirty="0" smtClean="0"/>
           </a:p>
           <a:p>
-            <a:pPr marL="285750" indent="-285750">
-              <a:buFontTx/>
-              <a:buChar char="-"/>
+            <a:pPr marL="342900" indent="-342900">
+              <a:buAutoNum type="arabicPeriod"/>
             </a:pPr>
             <a:r>
-              <a:rPr lang="en-US" altLang="ko-KR" dirty="0" err="1" smtClean="0"/>
-              <a:t>aResetPassword</a:t>
+              <a:rPr lang="ko-KR" altLang="en-US" dirty="0" smtClean="0"/>
+              <a:t>자리 초기화 및 재등록</a:t>
             </a:r>
             <a:endParaRPr lang="en-US" altLang="ko-KR" dirty="0" smtClean="0"/>
           </a:p>
           <a:p>
-            <a:pPr marL="285750" indent="-285750">
-              <a:buFontTx/>
-              <a:buChar char="-"/>
+            <a:pPr marL="342900" indent="-342900">
+              <a:buAutoNum type="arabicPeriod"/>
             </a:pPr>
-            <a:r>
-              <a:rPr lang="en-US" altLang="ko-KR" dirty="0" err="1" smtClean="0"/>
-              <a:t>aFullTable</a:t>
-            </a:r>
             <a:endParaRPr lang="en-US" altLang="ko-KR" dirty="0" smtClean="0"/>
           </a:p>
           <a:p>
-            <a:pPr marL="285750" indent="-285750">
-              <a:buFontTx/>
-              <a:buChar char="-"/>
+            <a:pPr marL="342900" indent="-342900">
+              <a:buAutoNum type="arabicPeriod"/>
             </a:pPr>
             <a:r>
-              <a:rPr lang="en-US" altLang="ko-KR" dirty="0" err="1" smtClean="0"/>
-              <a:t>aEmptyTable</a:t>
-            </a:r>
+              <a:rPr lang="ko-KR" altLang="en-US" dirty="0" smtClean="0"/>
+              <a:t>리뷰 초기화</a:t>
+            </a:r>
+            <a:endParaRPr lang="en-US" altLang="ko-KR" dirty="0" smtClean="0"/>
+          </a:p>
+          <a:p>
+            <a:pPr marL="342900" indent="-342900">
+              <a:buAutoNum type="arabicPeriod"/>
+            </a:pPr>
             <a:endParaRPr lang="en-US" altLang="ko-KR" dirty="0"/>
+          </a:p>
+          <a:p>
+            <a:pPr marL="342900" indent="-342900">
+              <a:buAutoNum type="arabicPeriod"/>
+            </a:pPr>
+            <a:r>
+              <a:rPr lang="ko-KR" altLang="en-US" dirty="0" smtClean="0"/>
+              <a:t>패스워드 수정</a:t>
+            </a:r>
+            <a:endParaRPr lang="en-US" altLang="ko-KR" dirty="0" smtClean="0"/>
+          </a:p>
+          <a:p>
+            <a:pPr marL="342900" indent="-342900">
+              <a:buAutoNum type="arabicPeriod"/>
+            </a:pPr>
+            <a:endParaRPr lang="en-US" altLang="ko-KR" dirty="0" smtClean="0"/>
+          </a:p>
+          <a:p>
+            <a:pPr marL="342900" indent="-342900">
+              <a:buAutoNum type="arabicPeriod"/>
+            </a:pPr>
+            <a:r>
+              <a:rPr lang="ko-KR" altLang="en-US" dirty="0" smtClean="0"/>
+              <a:t>테이블 사용</a:t>
+            </a:r>
+            <a:endParaRPr lang="en-US" altLang="ko-KR" dirty="0" smtClean="0"/>
+          </a:p>
+          <a:p>
+            <a:pPr marL="342900" indent="-342900">
+              <a:buAutoNum type="arabicPeriod"/>
+            </a:pPr>
+            <a:endParaRPr lang="en-US" altLang="ko-KR" dirty="0" smtClean="0"/>
+          </a:p>
+          <a:p>
+            <a:pPr marL="342900" indent="-342900">
+              <a:buAutoNum type="arabicPeriod"/>
+            </a:pPr>
+            <a:r>
+              <a:rPr lang="ko-KR" altLang="en-US" dirty="0" smtClean="0"/>
+              <a:t>테이블 비움</a:t>
+            </a:r>
+            <a:endParaRPr lang="en-US" altLang="ko-KR" dirty="0" smtClean="0"/>
+          </a:p>
+          <a:p>
+            <a:pPr marL="342900" indent="-342900">
+              <a:buAutoNum type="arabicPeriod"/>
+            </a:pPr>
+            <a:endParaRPr lang="ko-KR" altLang="en-US" dirty="0"/>
           </a:p>
         </p:txBody>
       </p:sp>
+      <p:grpSp>
+        <p:nvGrpSpPr>
+          <p:cNvPr id="22" name="그룹 21"/>
+          <p:cNvGrpSpPr/>
+          <p:nvPr/>
+        </p:nvGrpSpPr>
+        <p:grpSpPr>
+          <a:xfrm>
+            <a:off x="3277004" y="4746491"/>
+            <a:ext cx="1963211" cy="648072"/>
+            <a:chOff x="2877973" y="1633446"/>
+            <a:chExt cx="1963211" cy="648072"/>
+          </a:xfrm>
+        </p:grpSpPr>
+        <p:sp>
+          <p:nvSpPr>
+            <p:cNvPr id="12" name="TextBox 11"/>
+            <p:cNvSpPr txBox="1"/>
+            <p:nvPr/>
+          </p:nvSpPr>
+          <p:spPr>
+            <a:xfrm>
+              <a:off x="2987824" y="1772816"/>
+              <a:ext cx="1704313" cy="369332"/>
+            </a:xfrm>
+            <a:prstGeom prst="rect">
+              <a:avLst/>
+            </a:prstGeom>
+            <a:noFill/>
+          </p:spPr>
+          <p:txBody>
+            <a:bodyPr wrap="none" rtlCol="0">
+              <a:spAutoFit/>
+            </a:bodyPr>
+            <a:lstStyle/>
+            <a:p>
+              <a:r>
+                <a:rPr lang="en-US" altLang="ko-KR" dirty="0" smtClean="0"/>
+                <a:t>Client </a:t>
+              </a:r>
+              <a:r>
+                <a:rPr lang="ko-KR" altLang="en-US" dirty="0" smtClean="0"/>
+                <a:t>계정 </a:t>
+              </a:r>
+              <a:r>
+                <a:rPr lang="en-US" altLang="ko-KR" dirty="0" smtClean="0"/>
+                <a:t>DB</a:t>
+              </a:r>
+              <a:endParaRPr lang="ko-KR" altLang="en-US" dirty="0"/>
+            </a:p>
+          </p:txBody>
+        </p:sp>
+        <p:sp>
+          <p:nvSpPr>
+            <p:cNvPr id="17" name="모서리가 둥근 직사각형 16"/>
+            <p:cNvSpPr/>
+            <p:nvPr/>
+          </p:nvSpPr>
+          <p:spPr>
+            <a:xfrm>
+              <a:off x="2877973" y="1633446"/>
+              <a:ext cx="1963211" cy="648072"/>
+            </a:xfrm>
+            <a:prstGeom prst="roundRect">
+              <a:avLst/>
+            </a:prstGeom>
+            <a:noFill/>
+          </p:spPr>
+          <p:style>
+            <a:lnRef idx="2">
+              <a:schemeClr val="accent1">
+                <a:shade val="50000"/>
+              </a:schemeClr>
+            </a:lnRef>
+            <a:fillRef idx="1">
+              <a:schemeClr val="accent1"/>
+            </a:fillRef>
+            <a:effectRef idx="0">
+              <a:schemeClr val="accent1"/>
+            </a:effectRef>
+            <a:fontRef idx="minor">
+              <a:schemeClr val="lt1"/>
+            </a:fontRef>
+          </p:style>
+          <p:txBody>
+            <a:bodyPr rtlCol="0" anchor="ctr"/>
+            <a:lstStyle/>
+            <a:p>
+              <a:pPr algn="ctr"/>
+              <a:endParaRPr lang="ko-KR" altLang="en-US"/>
+            </a:p>
+          </p:txBody>
+        </p:sp>
+      </p:grpSp>
+      <p:grpSp>
+        <p:nvGrpSpPr>
+          <p:cNvPr id="26" name="그룹 25"/>
+          <p:cNvGrpSpPr/>
+          <p:nvPr/>
+        </p:nvGrpSpPr>
+        <p:grpSpPr>
+          <a:xfrm>
+            <a:off x="3276782" y="2476346"/>
+            <a:ext cx="1963211" cy="648072"/>
+            <a:chOff x="3186789" y="5449870"/>
+            <a:chExt cx="1963211" cy="648072"/>
+          </a:xfrm>
+        </p:grpSpPr>
+        <p:sp>
+          <p:nvSpPr>
+            <p:cNvPr id="16" name="TextBox 15"/>
+            <p:cNvSpPr txBox="1"/>
+            <p:nvPr/>
+          </p:nvSpPr>
+          <p:spPr>
+            <a:xfrm>
+              <a:off x="3346085" y="5589240"/>
+              <a:ext cx="1644617" cy="369332"/>
+            </a:xfrm>
+            <a:prstGeom prst="rect">
+              <a:avLst/>
+            </a:prstGeom>
+            <a:noFill/>
+          </p:spPr>
+          <p:txBody>
+            <a:bodyPr wrap="none" rtlCol="0">
+              <a:spAutoFit/>
+            </a:bodyPr>
+            <a:lstStyle/>
+            <a:p>
+              <a:r>
+                <a:rPr lang="en-US" altLang="ko-KR" dirty="0" smtClean="0"/>
+                <a:t>Store </a:t>
+              </a:r>
+              <a:r>
+                <a:rPr lang="ko-KR" altLang="en-US" dirty="0" smtClean="0"/>
+                <a:t>정보 </a:t>
+              </a:r>
+              <a:r>
+                <a:rPr lang="en-US" altLang="ko-KR" dirty="0" smtClean="0"/>
+                <a:t>DB</a:t>
+              </a:r>
+              <a:endParaRPr lang="ko-KR" altLang="en-US" dirty="0"/>
+            </a:p>
+          </p:txBody>
+        </p:sp>
+        <p:sp>
+          <p:nvSpPr>
+            <p:cNvPr id="18" name="모서리가 둥근 직사각형 17"/>
+            <p:cNvSpPr/>
+            <p:nvPr/>
+          </p:nvSpPr>
+          <p:spPr>
+            <a:xfrm>
+              <a:off x="3186789" y="5449870"/>
+              <a:ext cx="1963211" cy="648072"/>
+            </a:xfrm>
+            <a:prstGeom prst="roundRect">
+              <a:avLst/>
+            </a:prstGeom>
+            <a:noFill/>
+          </p:spPr>
+          <p:style>
+            <a:lnRef idx="2">
+              <a:schemeClr val="accent1">
+                <a:shade val="50000"/>
+              </a:schemeClr>
+            </a:lnRef>
+            <a:fillRef idx="1">
+              <a:schemeClr val="accent1"/>
+            </a:fillRef>
+            <a:effectRef idx="0">
+              <a:schemeClr val="accent1"/>
+            </a:effectRef>
+            <a:fontRef idx="minor">
+              <a:schemeClr val="lt1"/>
+            </a:fontRef>
+          </p:style>
+          <p:txBody>
+            <a:bodyPr rtlCol="0" anchor="ctr"/>
+            <a:lstStyle/>
+            <a:p>
+              <a:pPr algn="ctr"/>
+              <a:endParaRPr lang="ko-KR" altLang="en-US"/>
+            </a:p>
+          </p:txBody>
+        </p:sp>
+      </p:grpSp>
+      <p:grpSp>
+        <p:nvGrpSpPr>
+          <p:cNvPr id="25" name="그룹 24"/>
+          <p:cNvGrpSpPr/>
+          <p:nvPr/>
+        </p:nvGrpSpPr>
+        <p:grpSpPr>
+          <a:xfrm>
+            <a:off x="3276782" y="1340768"/>
+            <a:ext cx="1963211" cy="648072"/>
+            <a:chOff x="2987824" y="4225734"/>
+            <a:chExt cx="1963211" cy="648072"/>
+          </a:xfrm>
+        </p:grpSpPr>
+        <p:sp>
+          <p:nvSpPr>
+            <p:cNvPr id="15" name="TextBox 14"/>
+            <p:cNvSpPr txBox="1"/>
+            <p:nvPr/>
+          </p:nvSpPr>
+          <p:spPr>
+            <a:xfrm>
+              <a:off x="3135971" y="4365104"/>
+              <a:ext cx="1644617" cy="369332"/>
+            </a:xfrm>
+            <a:prstGeom prst="rect">
+              <a:avLst/>
+            </a:prstGeom>
+            <a:noFill/>
+          </p:spPr>
+          <p:txBody>
+            <a:bodyPr wrap="none" rtlCol="0">
+              <a:spAutoFit/>
+            </a:bodyPr>
+            <a:lstStyle/>
+            <a:p>
+              <a:r>
+                <a:rPr lang="en-US" altLang="ko-KR" dirty="0" smtClean="0"/>
+                <a:t>Store </a:t>
+              </a:r>
+              <a:r>
+                <a:rPr lang="ko-KR" altLang="en-US" dirty="0" smtClean="0"/>
+                <a:t>장르 </a:t>
+              </a:r>
+              <a:r>
+                <a:rPr lang="en-US" altLang="ko-KR" dirty="0" smtClean="0"/>
+                <a:t>DB</a:t>
+              </a:r>
+              <a:endParaRPr lang="ko-KR" altLang="en-US" dirty="0"/>
+            </a:p>
+          </p:txBody>
+        </p:sp>
+        <p:sp>
+          <p:nvSpPr>
+            <p:cNvPr id="19" name="모서리가 둥근 직사각형 18"/>
+            <p:cNvSpPr/>
+            <p:nvPr/>
+          </p:nvSpPr>
+          <p:spPr>
+            <a:xfrm>
+              <a:off x="2987824" y="4225734"/>
+              <a:ext cx="1963211" cy="648072"/>
+            </a:xfrm>
+            <a:prstGeom prst="roundRect">
+              <a:avLst/>
+            </a:prstGeom>
+            <a:noFill/>
+          </p:spPr>
+          <p:style>
+            <a:lnRef idx="2">
+              <a:schemeClr val="accent1">
+                <a:shade val="50000"/>
+              </a:schemeClr>
+            </a:lnRef>
+            <a:fillRef idx="1">
+              <a:schemeClr val="accent1"/>
+            </a:fillRef>
+            <a:effectRef idx="0">
+              <a:schemeClr val="accent1"/>
+            </a:effectRef>
+            <a:fontRef idx="minor">
+              <a:schemeClr val="lt1"/>
+            </a:fontRef>
+          </p:style>
+          <p:txBody>
+            <a:bodyPr rtlCol="0" anchor="ctr"/>
+            <a:lstStyle/>
+            <a:p>
+              <a:pPr algn="ctr"/>
+              <a:endParaRPr lang="ko-KR" altLang="en-US"/>
+            </a:p>
+          </p:txBody>
+        </p:sp>
+      </p:grpSp>
+      <p:grpSp>
+        <p:nvGrpSpPr>
+          <p:cNvPr id="24" name="그룹 23"/>
+          <p:cNvGrpSpPr/>
+          <p:nvPr/>
+        </p:nvGrpSpPr>
+        <p:grpSpPr>
+          <a:xfrm>
+            <a:off x="3276780" y="5805264"/>
+            <a:ext cx="1963211" cy="648072"/>
+            <a:chOff x="2980926" y="3245497"/>
+            <a:chExt cx="1963211" cy="648072"/>
+          </a:xfrm>
+        </p:grpSpPr>
+        <p:sp>
+          <p:nvSpPr>
+            <p:cNvPr id="14" name="TextBox 13"/>
+            <p:cNvSpPr txBox="1"/>
+            <p:nvPr/>
+          </p:nvSpPr>
+          <p:spPr>
+            <a:xfrm>
+              <a:off x="3140224" y="3384867"/>
+              <a:ext cx="1644617" cy="369332"/>
+            </a:xfrm>
+            <a:prstGeom prst="rect">
+              <a:avLst/>
+            </a:prstGeom>
+            <a:noFill/>
+          </p:spPr>
+          <p:txBody>
+            <a:bodyPr wrap="none" rtlCol="0">
+              <a:spAutoFit/>
+            </a:bodyPr>
+            <a:lstStyle/>
+            <a:p>
+              <a:r>
+                <a:rPr lang="en-US" altLang="ko-KR" dirty="0" smtClean="0"/>
+                <a:t>Store </a:t>
+              </a:r>
+              <a:r>
+                <a:rPr lang="ko-KR" altLang="en-US" dirty="0" smtClean="0"/>
+                <a:t>계정 </a:t>
+              </a:r>
+              <a:r>
+                <a:rPr lang="en-US" altLang="ko-KR" dirty="0" smtClean="0"/>
+                <a:t>DB</a:t>
+              </a:r>
+              <a:endParaRPr lang="ko-KR" altLang="en-US" dirty="0"/>
+            </a:p>
+          </p:txBody>
+        </p:sp>
+        <p:sp>
+          <p:nvSpPr>
+            <p:cNvPr id="20" name="모서리가 둥근 직사각형 19"/>
+            <p:cNvSpPr/>
+            <p:nvPr/>
+          </p:nvSpPr>
+          <p:spPr>
+            <a:xfrm>
+              <a:off x="2980926" y="3245497"/>
+              <a:ext cx="1963211" cy="648072"/>
+            </a:xfrm>
+            <a:prstGeom prst="roundRect">
+              <a:avLst/>
+            </a:prstGeom>
+            <a:noFill/>
+          </p:spPr>
+          <p:style>
+            <a:lnRef idx="2">
+              <a:schemeClr val="accent1">
+                <a:shade val="50000"/>
+              </a:schemeClr>
+            </a:lnRef>
+            <a:fillRef idx="1">
+              <a:schemeClr val="accent1"/>
+            </a:fillRef>
+            <a:effectRef idx="0">
+              <a:schemeClr val="accent1"/>
+            </a:effectRef>
+            <a:fontRef idx="minor">
+              <a:schemeClr val="lt1"/>
+            </a:fontRef>
+          </p:style>
+          <p:txBody>
+            <a:bodyPr rtlCol="0" anchor="ctr"/>
+            <a:lstStyle/>
+            <a:p>
+              <a:pPr algn="ctr"/>
+              <a:endParaRPr lang="ko-KR" altLang="en-US"/>
+            </a:p>
+          </p:txBody>
+        </p:sp>
+      </p:grpSp>
+      <p:grpSp>
+        <p:nvGrpSpPr>
+          <p:cNvPr id="23" name="그룹 22"/>
+          <p:cNvGrpSpPr/>
+          <p:nvPr/>
+        </p:nvGrpSpPr>
+        <p:grpSpPr>
+          <a:xfrm>
+            <a:off x="3276782" y="3576498"/>
+            <a:ext cx="1963211" cy="648072"/>
+            <a:chOff x="2973254" y="2360491"/>
+            <a:chExt cx="1963211" cy="648072"/>
+          </a:xfrm>
+        </p:grpSpPr>
+        <p:sp>
+          <p:nvSpPr>
+            <p:cNvPr id="13" name="TextBox 12"/>
+            <p:cNvSpPr txBox="1"/>
+            <p:nvPr/>
+          </p:nvSpPr>
+          <p:spPr>
+            <a:xfrm>
+              <a:off x="3102706" y="2499861"/>
+              <a:ext cx="1704313" cy="369332"/>
+            </a:xfrm>
+            <a:prstGeom prst="rect">
+              <a:avLst/>
+            </a:prstGeom>
+            <a:noFill/>
+          </p:spPr>
+          <p:txBody>
+            <a:bodyPr wrap="none" rtlCol="0">
+              <a:spAutoFit/>
+            </a:bodyPr>
+            <a:lstStyle/>
+            <a:p>
+              <a:r>
+                <a:rPr lang="en-US" altLang="ko-KR" dirty="0" smtClean="0"/>
+                <a:t>Client </a:t>
+              </a:r>
+              <a:r>
+                <a:rPr lang="ko-KR" altLang="en-US" dirty="0" smtClean="0"/>
+                <a:t>정보 </a:t>
+              </a:r>
+              <a:r>
+                <a:rPr lang="en-US" altLang="ko-KR" dirty="0" smtClean="0"/>
+                <a:t>DB</a:t>
+              </a:r>
+              <a:endParaRPr lang="ko-KR" altLang="en-US" dirty="0"/>
+            </a:p>
+          </p:txBody>
+        </p:sp>
+        <p:sp>
+          <p:nvSpPr>
+            <p:cNvPr id="21" name="모서리가 둥근 직사각형 20"/>
+            <p:cNvSpPr/>
+            <p:nvPr/>
+          </p:nvSpPr>
+          <p:spPr>
+            <a:xfrm>
+              <a:off x="2973254" y="2360491"/>
+              <a:ext cx="1963211" cy="648072"/>
+            </a:xfrm>
+            <a:prstGeom prst="roundRect">
+              <a:avLst/>
+            </a:prstGeom>
+            <a:noFill/>
+          </p:spPr>
+          <p:style>
+            <a:lnRef idx="2">
+              <a:schemeClr val="accent1">
+                <a:shade val="50000"/>
+              </a:schemeClr>
+            </a:lnRef>
+            <a:fillRef idx="1">
+              <a:schemeClr val="accent1"/>
+            </a:fillRef>
+            <a:effectRef idx="0">
+              <a:schemeClr val="accent1"/>
+            </a:effectRef>
+            <a:fontRef idx="minor">
+              <a:schemeClr val="lt1"/>
+            </a:fontRef>
+          </p:style>
+          <p:txBody>
+            <a:bodyPr rtlCol="0" anchor="ctr"/>
+            <a:lstStyle/>
+            <a:p>
+              <a:pPr algn="ctr"/>
+              <a:endParaRPr lang="ko-KR" altLang="en-US"/>
+            </a:p>
+          </p:txBody>
+        </p:sp>
+      </p:grpSp>
+      <p:cxnSp>
+        <p:nvCxnSpPr>
+          <p:cNvPr id="53" name="직선 화살표 연결선 52"/>
+          <p:cNvCxnSpPr>
+            <a:endCxn id="17" idx="1"/>
+          </p:cNvCxnSpPr>
+          <p:nvPr/>
+        </p:nvCxnSpPr>
+        <p:spPr>
+          <a:xfrm flipV="1">
+            <a:off x="2354642" y="5070527"/>
+            <a:ext cx="922362" cy="324036"/>
+          </a:xfrm>
+          <a:prstGeom prst="straightConnector1">
+            <a:avLst/>
+          </a:prstGeom>
+          <a:ln>
+            <a:tailEnd type="arrow"/>
+          </a:ln>
+        </p:spPr>
+        <p:style>
+          <a:lnRef idx="1">
+            <a:schemeClr val="accent1"/>
+          </a:lnRef>
+          <a:fillRef idx="0">
+            <a:schemeClr val="accent1"/>
+          </a:fillRef>
+          <a:effectRef idx="0">
+            <a:schemeClr val="accent1"/>
+          </a:effectRef>
+          <a:fontRef idx="minor">
+            <a:schemeClr val="tx1"/>
+          </a:fontRef>
+        </p:style>
+      </p:cxnSp>
+      <p:cxnSp>
+        <p:nvCxnSpPr>
+          <p:cNvPr id="55" name="직선 화살표 연결선 54"/>
+          <p:cNvCxnSpPr>
+            <a:endCxn id="18" idx="3"/>
+          </p:cNvCxnSpPr>
+          <p:nvPr/>
+        </p:nvCxnSpPr>
+        <p:spPr>
+          <a:xfrm flipH="1">
+            <a:off x="5239993" y="1664804"/>
+            <a:ext cx="1005100" cy="1135578"/>
+          </a:xfrm>
+          <a:prstGeom prst="straightConnector1">
+            <a:avLst/>
+          </a:prstGeom>
+          <a:ln>
+            <a:tailEnd type="arrow"/>
+          </a:ln>
+        </p:spPr>
+        <p:style>
+          <a:lnRef idx="1">
+            <a:schemeClr val="accent1"/>
+          </a:lnRef>
+          <a:fillRef idx="0">
+            <a:schemeClr val="accent1"/>
+          </a:fillRef>
+          <a:effectRef idx="0">
+            <a:schemeClr val="accent1"/>
+          </a:effectRef>
+          <a:fontRef idx="minor">
+            <a:schemeClr val="tx1"/>
+          </a:fontRef>
+        </p:style>
+      </p:cxnSp>
+      <p:cxnSp>
+        <p:nvCxnSpPr>
+          <p:cNvPr id="57" name="직선 화살표 연결선 56"/>
+          <p:cNvCxnSpPr>
+            <a:endCxn id="18" idx="3"/>
+          </p:cNvCxnSpPr>
+          <p:nvPr/>
+        </p:nvCxnSpPr>
+        <p:spPr>
+          <a:xfrm flipH="1">
+            <a:off x="5239993" y="2232593"/>
+            <a:ext cx="1005100" cy="567789"/>
+          </a:xfrm>
+          <a:prstGeom prst="straightConnector1">
+            <a:avLst/>
+          </a:prstGeom>
+          <a:ln>
+            <a:tailEnd type="arrow"/>
+          </a:ln>
+        </p:spPr>
+        <p:style>
+          <a:lnRef idx="1">
+            <a:schemeClr val="accent1"/>
+          </a:lnRef>
+          <a:fillRef idx="0">
+            <a:schemeClr val="accent1"/>
+          </a:fillRef>
+          <a:effectRef idx="0">
+            <a:schemeClr val="accent1"/>
+          </a:effectRef>
+          <a:fontRef idx="minor">
+            <a:schemeClr val="tx1"/>
+          </a:fontRef>
+        </p:style>
+      </p:cxnSp>
+      <p:cxnSp>
+        <p:nvCxnSpPr>
+          <p:cNvPr id="59" name="직선 화살표 연결선 58"/>
+          <p:cNvCxnSpPr>
+            <a:endCxn id="18" idx="3"/>
+          </p:cNvCxnSpPr>
+          <p:nvPr/>
+        </p:nvCxnSpPr>
+        <p:spPr>
+          <a:xfrm flipH="1">
+            <a:off x="5239993" y="2777516"/>
+            <a:ext cx="1005100" cy="22866"/>
+          </a:xfrm>
+          <a:prstGeom prst="straightConnector1">
+            <a:avLst/>
+          </a:prstGeom>
+          <a:ln>
+            <a:tailEnd type="arrow"/>
+          </a:ln>
+        </p:spPr>
+        <p:style>
+          <a:lnRef idx="1">
+            <a:schemeClr val="accent1"/>
+          </a:lnRef>
+          <a:fillRef idx="0">
+            <a:schemeClr val="accent1"/>
+          </a:fillRef>
+          <a:effectRef idx="0">
+            <a:schemeClr val="accent1"/>
+          </a:effectRef>
+          <a:fontRef idx="minor">
+            <a:schemeClr val="tx1"/>
+          </a:fontRef>
+        </p:style>
+      </p:cxnSp>
+      <p:cxnSp>
+        <p:nvCxnSpPr>
+          <p:cNvPr id="61" name="직선 화살표 연결선 60"/>
+          <p:cNvCxnSpPr>
+            <a:endCxn id="18" idx="3"/>
+          </p:cNvCxnSpPr>
+          <p:nvPr/>
+        </p:nvCxnSpPr>
+        <p:spPr>
+          <a:xfrm flipH="1" flipV="1">
+            <a:off x="5239993" y="2800382"/>
+            <a:ext cx="1005100" cy="484602"/>
+          </a:xfrm>
+          <a:prstGeom prst="straightConnector1">
+            <a:avLst/>
+          </a:prstGeom>
+          <a:ln>
+            <a:tailEnd type="arrow"/>
+          </a:ln>
+        </p:spPr>
+        <p:style>
+          <a:lnRef idx="1">
+            <a:schemeClr val="accent1"/>
+          </a:lnRef>
+          <a:fillRef idx="0">
+            <a:schemeClr val="accent1"/>
+          </a:fillRef>
+          <a:effectRef idx="0">
+            <a:schemeClr val="accent1"/>
+          </a:effectRef>
+          <a:fontRef idx="minor">
+            <a:schemeClr val="tx1"/>
+          </a:fontRef>
+        </p:style>
+      </p:cxnSp>
+      <p:cxnSp>
+        <p:nvCxnSpPr>
+          <p:cNvPr id="63" name="직선 화살표 연결선 62"/>
+          <p:cNvCxnSpPr>
+            <a:endCxn id="18" idx="3"/>
+          </p:cNvCxnSpPr>
+          <p:nvPr/>
+        </p:nvCxnSpPr>
+        <p:spPr>
+          <a:xfrm flipH="1" flipV="1">
+            <a:off x="5239993" y="2800382"/>
+            <a:ext cx="1005100" cy="1060666"/>
+          </a:xfrm>
+          <a:prstGeom prst="straightConnector1">
+            <a:avLst/>
+          </a:prstGeom>
+          <a:ln>
+            <a:tailEnd type="arrow"/>
+          </a:ln>
+        </p:spPr>
+        <p:style>
+          <a:lnRef idx="1">
+            <a:schemeClr val="accent1"/>
+          </a:lnRef>
+          <a:fillRef idx="0">
+            <a:schemeClr val="accent1"/>
+          </a:fillRef>
+          <a:effectRef idx="0">
+            <a:schemeClr val="accent1"/>
+          </a:effectRef>
+          <a:fontRef idx="minor">
+            <a:schemeClr val="tx1"/>
+          </a:fontRef>
+        </p:style>
+      </p:cxnSp>
+      <p:cxnSp>
+        <p:nvCxnSpPr>
+          <p:cNvPr id="65" name="직선 화살표 연결선 64"/>
+          <p:cNvCxnSpPr>
+            <a:endCxn id="18" idx="3"/>
+          </p:cNvCxnSpPr>
+          <p:nvPr/>
+        </p:nvCxnSpPr>
+        <p:spPr>
+          <a:xfrm flipH="1" flipV="1">
+            <a:off x="5239993" y="2800382"/>
+            <a:ext cx="1005100" cy="1584465"/>
+          </a:xfrm>
+          <a:prstGeom prst="straightConnector1">
+            <a:avLst/>
+          </a:prstGeom>
+          <a:ln>
+            <a:tailEnd type="arrow"/>
+          </a:ln>
+        </p:spPr>
+        <p:style>
+          <a:lnRef idx="1">
+            <a:schemeClr val="accent1"/>
+          </a:lnRef>
+          <a:fillRef idx="0">
+            <a:schemeClr val="accent1"/>
+          </a:fillRef>
+          <a:effectRef idx="0">
+            <a:schemeClr val="accent1"/>
+          </a:effectRef>
+          <a:fontRef idx="minor">
+            <a:schemeClr val="tx1"/>
+          </a:fontRef>
+        </p:style>
+      </p:cxnSp>
+      <p:cxnSp>
+        <p:nvCxnSpPr>
+          <p:cNvPr id="67" name="직선 화살표 연결선 66"/>
+          <p:cNvCxnSpPr>
+            <a:endCxn id="20" idx="3"/>
+          </p:cNvCxnSpPr>
+          <p:nvPr/>
+        </p:nvCxnSpPr>
+        <p:spPr>
+          <a:xfrm flipH="1">
+            <a:off x="5239991" y="4941168"/>
+            <a:ext cx="1005102" cy="1188132"/>
+          </a:xfrm>
+          <a:prstGeom prst="straightConnector1">
+            <a:avLst/>
+          </a:prstGeom>
+          <a:ln>
+            <a:tailEnd type="arrow"/>
+          </a:ln>
+        </p:spPr>
+        <p:style>
+          <a:lnRef idx="1">
+            <a:schemeClr val="accent1"/>
+          </a:lnRef>
+          <a:fillRef idx="0">
+            <a:schemeClr val="accent1"/>
+          </a:fillRef>
+          <a:effectRef idx="0">
+            <a:schemeClr val="accent1"/>
+          </a:effectRef>
+          <a:fontRef idx="minor">
+            <a:schemeClr val="tx1"/>
+          </a:fontRef>
+        </p:style>
+      </p:cxnSp>
+      <p:cxnSp>
+        <p:nvCxnSpPr>
+          <p:cNvPr id="69" name="직선 화살표 연결선 68"/>
+          <p:cNvCxnSpPr>
+            <a:endCxn id="18" idx="3"/>
+          </p:cNvCxnSpPr>
+          <p:nvPr/>
+        </p:nvCxnSpPr>
+        <p:spPr>
+          <a:xfrm flipH="1" flipV="1">
+            <a:off x="5239993" y="2800382"/>
+            <a:ext cx="1005100" cy="2734852"/>
+          </a:xfrm>
+          <a:prstGeom prst="straightConnector1">
+            <a:avLst/>
+          </a:prstGeom>
+          <a:ln>
+            <a:tailEnd type="arrow"/>
+          </a:ln>
+        </p:spPr>
+        <p:style>
+          <a:lnRef idx="1">
+            <a:schemeClr val="accent1"/>
+          </a:lnRef>
+          <a:fillRef idx="0">
+            <a:schemeClr val="accent1"/>
+          </a:fillRef>
+          <a:effectRef idx="0">
+            <a:schemeClr val="accent1"/>
+          </a:effectRef>
+          <a:fontRef idx="minor">
+            <a:schemeClr val="tx1"/>
+          </a:fontRef>
+        </p:style>
+      </p:cxnSp>
+      <p:cxnSp>
+        <p:nvCxnSpPr>
+          <p:cNvPr id="71" name="직선 화살표 연결선 70"/>
+          <p:cNvCxnSpPr>
+            <a:endCxn id="18" idx="3"/>
+          </p:cNvCxnSpPr>
+          <p:nvPr/>
+        </p:nvCxnSpPr>
+        <p:spPr>
+          <a:xfrm flipH="1" flipV="1">
+            <a:off x="5239993" y="2800382"/>
+            <a:ext cx="1005100" cy="3328918"/>
+          </a:xfrm>
+          <a:prstGeom prst="straightConnector1">
+            <a:avLst/>
+          </a:prstGeom>
+          <a:ln>
+            <a:tailEnd type="arrow"/>
+          </a:ln>
+        </p:spPr>
+        <p:style>
+          <a:lnRef idx="1">
+            <a:schemeClr val="accent1"/>
+          </a:lnRef>
+          <a:fillRef idx="0">
+            <a:schemeClr val="accent1"/>
+          </a:fillRef>
+          <a:effectRef idx="0">
+            <a:schemeClr val="accent1"/>
+          </a:effectRef>
+          <a:fontRef idx="minor">
+            <a:schemeClr val="tx1"/>
+          </a:fontRef>
+        </p:style>
+      </p:cxnSp>
+      <p:cxnSp>
+        <p:nvCxnSpPr>
+          <p:cNvPr id="73" name="직선 화살표 연결선 72"/>
+          <p:cNvCxnSpPr>
+            <a:endCxn id="19" idx="1"/>
+          </p:cNvCxnSpPr>
+          <p:nvPr/>
+        </p:nvCxnSpPr>
+        <p:spPr>
+          <a:xfrm flipV="1">
+            <a:off x="2345744" y="1664804"/>
+            <a:ext cx="931038" cy="468052"/>
+          </a:xfrm>
+          <a:prstGeom prst="straightConnector1">
+            <a:avLst/>
+          </a:prstGeom>
+          <a:ln>
+            <a:headEnd type="arrow"/>
+            <a:tailEnd type="arrow"/>
+          </a:ln>
+        </p:spPr>
+        <p:style>
+          <a:lnRef idx="1">
+            <a:schemeClr val="accent1"/>
+          </a:lnRef>
+          <a:fillRef idx="0">
+            <a:schemeClr val="accent1"/>
+          </a:fillRef>
+          <a:effectRef idx="0">
+            <a:schemeClr val="accent1"/>
+          </a:effectRef>
+          <a:fontRef idx="minor">
+            <a:schemeClr val="tx1"/>
+          </a:fontRef>
+        </p:style>
+      </p:cxnSp>
+      <p:cxnSp>
+        <p:nvCxnSpPr>
+          <p:cNvPr id="75" name="직선 화살표 연결선 74"/>
+          <p:cNvCxnSpPr>
+            <a:endCxn id="18" idx="1"/>
+          </p:cNvCxnSpPr>
+          <p:nvPr/>
+        </p:nvCxnSpPr>
+        <p:spPr>
+          <a:xfrm>
+            <a:off x="2345744" y="2708920"/>
+            <a:ext cx="931038" cy="91462"/>
+          </a:xfrm>
+          <a:prstGeom prst="straightConnector1">
+            <a:avLst/>
+          </a:prstGeom>
+          <a:ln>
+            <a:headEnd type="arrow"/>
+            <a:tailEnd type="arrow"/>
+          </a:ln>
+        </p:spPr>
+        <p:style>
+          <a:lnRef idx="1">
+            <a:schemeClr val="accent1"/>
+          </a:lnRef>
+          <a:fillRef idx="0">
+            <a:schemeClr val="accent1"/>
+          </a:fillRef>
+          <a:effectRef idx="0">
+            <a:schemeClr val="accent1"/>
+          </a:effectRef>
+          <a:fontRef idx="minor">
+            <a:schemeClr val="tx1"/>
+          </a:fontRef>
+        </p:style>
+      </p:cxnSp>
+      <p:cxnSp>
+        <p:nvCxnSpPr>
+          <p:cNvPr id="78" name="직선 화살표 연결선 77"/>
+          <p:cNvCxnSpPr>
+            <a:endCxn id="18" idx="1"/>
+          </p:cNvCxnSpPr>
+          <p:nvPr/>
+        </p:nvCxnSpPr>
+        <p:spPr>
+          <a:xfrm flipV="1">
+            <a:off x="2354642" y="2800382"/>
+            <a:ext cx="922140" cy="466600"/>
+          </a:xfrm>
+          <a:prstGeom prst="straightConnector1">
+            <a:avLst/>
+          </a:prstGeom>
+          <a:ln>
+            <a:headEnd type="arrow"/>
+            <a:tailEnd type="arrow"/>
+          </a:ln>
+        </p:spPr>
+        <p:style>
+          <a:lnRef idx="1">
+            <a:schemeClr val="accent1"/>
+          </a:lnRef>
+          <a:fillRef idx="0">
+            <a:schemeClr val="accent1"/>
+          </a:fillRef>
+          <a:effectRef idx="0">
+            <a:schemeClr val="accent1"/>
+          </a:effectRef>
+          <a:fontRef idx="minor">
+            <a:schemeClr val="tx1"/>
+          </a:fontRef>
+        </p:style>
+      </p:cxnSp>
+      <p:cxnSp>
+        <p:nvCxnSpPr>
+          <p:cNvPr id="80" name="직선 화살표 연결선 79"/>
+          <p:cNvCxnSpPr>
+            <a:stCxn id="8" idx="3"/>
+            <a:endCxn id="18" idx="1"/>
+          </p:cNvCxnSpPr>
+          <p:nvPr/>
+        </p:nvCxnSpPr>
+        <p:spPr>
+          <a:xfrm flipV="1">
+            <a:off x="2345744" y="2800382"/>
+            <a:ext cx="931038" cy="1053115"/>
+          </a:xfrm>
+          <a:prstGeom prst="straightConnector1">
+            <a:avLst/>
+          </a:prstGeom>
+          <a:ln>
+            <a:headEnd type="arrow"/>
+            <a:tailEnd type="arrow"/>
+          </a:ln>
+        </p:spPr>
+        <p:style>
+          <a:lnRef idx="1">
+            <a:schemeClr val="accent1"/>
+          </a:lnRef>
+          <a:fillRef idx="0">
+            <a:schemeClr val="accent1"/>
+          </a:fillRef>
+          <a:effectRef idx="0">
+            <a:schemeClr val="accent1"/>
+          </a:effectRef>
+          <a:fontRef idx="minor">
+            <a:schemeClr val="tx1"/>
+          </a:fontRef>
+        </p:style>
+      </p:cxnSp>
+      <p:cxnSp>
+        <p:nvCxnSpPr>
+          <p:cNvPr id="86" name="직선 화살표 연결선 85"/>
+          <p:cNvCxnSpPr/>
+          <p:nvPr/>
+        </p:nvCxnSpPr>
+        <p:spPr>
+          <a:xfrm>
+            <a:off x="2815823" y="1484784"/>
+            <a:ext cx="460957" cy="0"/>
+          </a:xfrm>
+          <a:prstGeom prst="straightConnector1">
+            <a:avLst/>
+          </a:prstGeom>
+          <a:ln w="19050">
+            <a:tailEnd type="arrow"/>
+          </a:ln>
+        </p:spPr>
+        <p:style>
+          <a:lnRef idx="1">
+            <a:schemeClr val="accent1"/>
+          </a:lnRef>
+          <a:fillRef idx="0">
+            <a:schemeClr val="accent1"/>
+          </a:fillRef>
+          <a:effectRef idx="0">
+            <a:schemeClr val="accent1"/>
+          </a:effectRef>
+          <a:fontRef idx="minor">
+            <a:schemeClr val="tx1"/>
+          </a:fontRef>
+        </p:style>
+      </p:cxnSp>
+      <p:cxnSp>
+        <p:nvCxnSpPr>
+          <p:cNvPr id="87" name="직선 화살표 연결선 86"/>
+          <p:cNvCxnSpPr/>
+          <p:nvPr/>
+        </p:nvCxnSpPr>
+        <p:spPr>
+          <a:xfrm>
+            <a:off x="2816047" y="2623797"/>
+            <a:ext cx="460957" cy="0"/>
+          </a:xfrm>
+          <a:prstGeom prst="straightConnector1">
+            <a:avLst/>
+          </a:prstGeom>
+          <a:ln w="19050">
+            <a:tailEnd type="arrow"/>
+          </a:ln>
+        </p:spPr>
+        <p:style>
+          <a:lnRef idx="1">
+            <a:schemeClr val="accent1"/>
+          </a:lnRef>
+          <a:fillRef idx="0">
+            <a:schemeClr val="accent1"/>
+          </a:fillRef>
+          <a:effectRef idx="0">
+            <a:schemeClr val="accent1"/>
+          </a:effectRef>
+          <a:fontRef idx="minor">
+            <a:schemeClr val="tx1"/>
+          </a:fontRef>
+        </p:style>
+      </p:cxnSp>
+      <p:cxnSp>
+        <p:nvCxnSpPr>
+          <p:cNvPr id="88" name="직선 화살표 연결선 87"/>
+          <p:cNvCxnSpPr/>
+          <p:nvPr/>
+        </p:nvCxnSpPr>
+        <p:spPr>
+          <a:xfrm>
+            <a:off x="2793853" y="3713438"/>
+            <a:ext cx="460957" cy="0"/>
+          </a:xfrm>
+          <a:prstGeom prst="straightConnector1">
+            <a:avLst/>
+          </a:prstGeom>
+          <a:ln w="19050">
+            <a:tailEnd type="arrow"/>
+          </a:ln>
+        </p:spPr>
+        <p:style>
+          <a:lnRef idx="1">
+            <a:schemeClr val="accent1"/>
+          </a:lnRef>
+          <a:fillRef idx="0">
+            <a:schemeClr val="accent1"/>
+          </a:fillRef>
+          <a:effectRef idx="0">
+            <a:schemeClr val="accent1"/>
+          </a:effectRef>
+          <a:fontRef idx="minor">
+            <a:schemeClr val="tx1"/>
+          </a:fontRef>
+        </p:style>
+      </p:cxnSp>
+      <p:cxnSp>
+        <p:nvCxnSpPr>
+          <p:cNvPr id="90" name="직선 연결선 89"/>
+          <p:cNvCxnSpPr/>
+          <p:nvPr/>
+        </p:nvCxnSpPr>
+        <p:spPr>
+          <a:xfrm flipH="1">
+            <a:off x="2793853" y="1480138"/>
+            <a:ext cx="21970" cy="2904709"/>
+          </a:xfrm>
+          <a:prstGeom prst="line">
+            <a:avLst/>
+          </a:prstGeom>
+          <a:ln w="19050"/>
+        </p:spPr>
+        <p:style>
+          <a:lnRef idx="1">
+            <a:schemeClr val="accent1"/>
+          </a:lnRef>
+          <a:fillRef idx="0">
+            <a:schemeClr val="accent1"/>
+          </a:fillRef>
+          <a:effectRef idx="0">
+            <a:schemeClr val="accent1"/>
+          </a:effectRef>
+          <a:fontRef idx="minor">
+            <a:schemeClr val="tx1"/>
+          </a:fontRef>
+        </p:style>
+      </p:cxnSp>
+      <p:cxnSp>
+        <p:nvCxnSpPr>
+          <p:cNvPr id="94" name="직선 연결선 93"/>
+          <p:cNvCxnSpPr/>
+          <p:nvPr/>
+        </p:nvCxnSpPr>
+        <p:spPr>
+          <a:xfrm flipH="1">
+            <a:off x="2354642" y="4384847"/>
+            <a:ext cx="450196" cy="0"/>
+          </a:xfrm>
+          <a:prstGeom prst="line">
+            <a:avLst/>
+          </a:prstGeom>
+          <a:ln w="19050"/>
+        </p:spPr>
+        <p:style>
+          <a:lnRef idx="1">
+            <a:schemeClr val="accent1"/>
+          </a:lnRef>
+          <a:fillRef idx="0">
+            <a:schemeClr val="accent1"/>
+          </a:fillRef>
+          <a:effectRef idx="0">
+            <a:schemeClr val="accent1"/>
+          </a:effectRef>
+          <a:fontRef idx="minor">
+            <a:schemeClr val="tx1"/>
+          </a:fontRef>
+        </p:style>
+      </p:cxnSp>
+      <p:cxnSp>
+        <p:nvCxnSpPr>
+          <p:cNvPr id="95" name="직선 화살표 연결선 94"/>
+          <p:cNvCxnSpPr/>
+          <p:nvPr/>
+        </p:nvCxnSpPr>
+        <p:spPr>
+          <a:xfrm>
+            <a:off x="3046525" y="1898830"/>
+            <a:ext cx="230479" cy="0"/>
+          </a:xfrm>
+          <a:prstGeom prst="straightConnector1">
+            <a:avLst/>
+          </a:prstGeom>
+          <a:ln w="19050">
+            <a:tailEnd type="arrow"/>
+          </a:ln>
+        </p:spPr>
+        <p:style>
+          <a:lnRef idx="1">
+            <a:schemeClr val="accent1"/>
+          </a:lnRef>
+          <a:fillRef idx="0">
+            <a:schemeClr val="accent1"/>
+          </a:fillRef>
+          <a:effectRef idx="0">
+            <a:schemeClr val="accent1"/>
+          </a:effectRef>
+          <a:fontRef idx="minor">
+            <a:schemeClr val="tx1"/>
+          </a:fontRef>
+        </p:style>
+      </p:cxnSp>
+      <p:cxnSp>
+        <p:nvCxnSpPr>
+          <p:cNvPr id="97" name="직선 화살표 연결선 96"/>
+          <p:cNvCxnSpPr/>
+          <p:nvPr/>
+        </p:nvCxnSpPr>
+        <p:spPr>
+          <a:xfrm>
+            <a:off x="3024331" y="4085200"/>
+            <a:ext cx="230479" cy="0"/>
+          </a:xfrm>
+          <a:prstGeom prst="straightConnector1">
+            <a:avLst/>
+          </a:prstGeom>
+          <a:ln w="19050">
+            <a:tailEnd type="arrow"/>
+          </a:ln>
+        </p:spPr>
+        <p:style>
+          <a:lnRef idx="1">
+            <a:schemeClr val="accent1"/>
+          </a:lnRef>
+          <a:fillRef idx="0">
+            <a:schemeClr val="accent1"/>
+          </a:fillRef>
+          <a:effectRef idx="0">
+            <a:schemeClr val="accent1"/>
+          </a:effectRef>
+          <a:fontRef idx="minor">
+            <a:schemeClr val="tx1"/>
+          </a:fontRef>
+        </p:style>
+      </p:cxnSp>
+      <p:cxnSp>
+        <p:nvCxnSpPr>
+          <p:cNvPr id="99" name="직선 연결선 98"/>
+          <p:cNvCxnSpPr/>
+          <p:nvPr/>
+        </p:nvCxnSpPr>
+        <p:spPr>
+          <a:xfrm flipH="1">
+            <a:off x="3024331" y="1898830"/>
+            <a:ext cx="21970" cy="3042338"/>
+          </a:xfrm>
+          <a:prstGeom prst="line">
+            <a:avLst/>
+          </a:prstGeom>
+          <a:ln w="19050"/>
+        </p:spPr>
+        <p:style>
+          <a:lnRef idx="1">
+            <a:schemeClr val="accent1"/>
+          </a:lnRef>
+          <a:fillRef idx="0">
+            <a:schemeClr val="accent1"/>
+          </a:fillRef>
+          <a:effectRef idx="0">
+            <a:schemeClr val="accent1"/>
+          </a:effectRef>
+          <a:fontRef idx="minor">
+            <a:schemeClr val="tx1"/>
+          </a:fontRef>
+        </p:style>
+      </p:cxnSp>
+      <p:cxnSp>
+        <p:nvCxnSpPr>
+          <p:cNvPr id="102" name="직선 화살표 연결선 101"/>
+          <p:cNvCxnSpPr/>
+          <p:nvPr/>
+        </p:nvCxnSpPr>
+        <p:spPr>
+          <a:xfrm flipV="1">
+            <a:off x="3046525" y="3124418"/>
+            <a:ext cx="230479" cy="142564"/>
+          </a:xfrm>
+          <a:prstGeom prst="straightConnector1">
+            <a:avLst/>
+          </a:prstGeom>
+          <a:ln w="19050">
+            <a:tailEnd type="arrow"/>
+          </a:ln>
+        </p:spPr>
+        <p:style>
+          <a:lnRef idx="1">
+            <a:schemeClr val="accent1"/>
+          </a:lnRef>
+          <a:fillRef idx="0">
+            <a:schemeClr val="accent1"/>
+          </a:fillRef>
+          <a:effectRef idx="0">
+            <a:schemeClr val="accent1"/>
+          </a:effectRef>
+          <a:fontRef idx="minor">
+            <a:schemeClr val="tx1"/>
+          </a:fontRef>
+        </p:style>
+      </p:cxnSp>
+      <p:cxnSp>
+        <p:nvCxnSpPr>
+          <p:cNvPr id="104" name="직선 화살표 연결선 103"/>
+          <p:cNvCxnSpPr/>
+          <p:nvPr/>
+        </p:nvCxnSpPr>
+        <p:spPr>
+          <a:xfrm flipH="1">
+            <a:off x="2354642" y="4941168"/>
+            <a:ext cx="669689" cy="0"/>
+          </a:xfrm>
+          <a:prstGeom prst="straightConnector1">
+            <a:avLst/>
+          </a:prstGeom>
+          <a:ln w="19050">
+            <a:tailEnd type="arrow"/>
+          </a:ln>
+        </p:spPr>
+        <p:style>
+          <a:lnRef idx="1">
+            <a:schemeClr val="accent1"/>
+          </a:lnRef>
+          <a:fillRef idx="0">
+            <a:schemeClr val="accent1"/>
+          </a:fillRef>
+          <a:effectRef idx="0">
+            <a:schemeClr val="accent1"/>
+          </a:effectRef>
+          <a:fontRef idx="minor">
+            <a:schemeClr val="tx1"/>
+          </a:fontRef>
+        </p:style>
+      </p:cxnSp>
     </p:spTree>
     <p:extLst>
       <p:ext uri="{BB962C8B-B14F-4D97-AF65-F5344CB8AC3E}">
-        <p14:creationId xmlns:p14="http://schemas.microsoft.com/office/powerpoint/2010/main" val="3427075941"/>
+        <p14:creationId xmlns:p14="http://schemas.microsoft.com/office/powerpoint/2010/main" val="3336836998"/>
       </p:ext>
     </p:extLst>
   </p:cSld>
